--- a/개인/석사학위논문/구상.pptx
+++ b/개인/석사학위논문/구상.pptx
@@ -7,7 +7,9 @@
   <p:sldIdLst>
     <p:sldId id="257" r:id="rId2"/>
     <p:sldId id="258" r:id="rId3"/>
-    <p:sldId id="256" r:id="rId4"/>
+    <p:sldId id="260" r:id="rId4"/>
+    <p:sldId id="256" r:id="rId5"/>
+    <p:sldId id="259" r:id="rId6"/>
   </p:sldIdLst>
   <p:sldSz cx="12192000" cy="6858000"/>
   <p:notesSz cx="6858000" cy="9144000"/>
@@ -106,6 +108,11 @@
       </a:defRPr>
     </a:lvl9pPr>
   </p:defaultTextStyle>
+  <p:extLst>
+    <p:ext uri="{EFAFB233-063F-42B5-8137-9DF3F51BA10A}">
+      <p15:sldGuideLst xmlns:p15="http://schemas.microsoft.com/office/powerpoint/2012/main"/>
+    </p:ext>
+  </p:extLst>
 </p:presentation>
 </file>
 
@@ -240,7 +247,7 @@
           <a:p>
             <a:fld id="{CEDA20BB-A36C-44CB-A9A0-32BED543DE31}" type="datetimeFigureOut">
               <a:rPr lang="ko-KR" altLang="en-US" smtClean="0"/>
-              <a:t>2019-07-23</a:t>
+              <a:t>2019-08-05</a:t>
             </a:fld>
             <a:endParaRPr lang="ko-KR" altLang="en-US"/>
           </a:p>
@@ -410,7 +417,7 @@
           <a:p>
             <a:fld id="{CEDA20BB-A36C-44CB-A9A0-32BED543DE31}" type="datetimeFigureOut">
               <a:rPr lang="ko-KR" altLang="en-US" smtClean="0"/>
-              <a:t>2019-07-23</a:t>
+              <a:t>2019-08-05</a:t>
             </a:fld>
             <a:endParaRPr lang="ko-KR" altLang="en-US"/>
           </a:p>
@@ -590,7 +597,7 @@
           <a:p>
             <a:fld id="{CEDA20BB-A36C-44CB-A9A0-32BED543DE31}" type="datetimeFigureOut">
               <a:rPr lang="ko-KR" altLang="en-US" smtClean="0"/>
-              <a:t>2019-07-23</a:t>
+              <a:t>2019-08-05</a:t>
             </a:fld>
             <a:endParaRPr lang="ko-KR" altLang="en-US"/>
           </a:p>
@@ -760,7 +767,7 @@
           <a:p>
             <a:fld id="{CEDA20BB-A36C-44CB-A9A0-32BED543DE31}" type="datetimeFigureOut">
               <a:rPr lang="ko-KR" altLang="en-US" smtClean="0"/>
-              <a:t>2019-07-23</a:t>
+              <a:t>2019-08-05</a:t>
             </a:fld>
             <a:endParaRPr lang="ko-KR" altLang="en-US"/>
           </a:p>
@@ -1006,7 +1013,7 @@
           <a:p>
             <a:fld id="{CEDA20BB-A36C-44CB-A9A0-32BED543DE31}" type="datetimeFigureOut">
               <a:rPr lang="ko-KR" altLang="en-US" smtClean="0"/>
-              <a:t>2019-07-23</a:t>
+              <a:t>2019-08-05</a:t>
             </a:fld>
             <a:endParaRPr lang="ko-KR" altLang="en-US"/>
           </a:p>
@@ -1238,7 +1245,7 @@
           <a:p>
             <a:fld id="{CEDA20BB-A36C-44CB-A9A0-32BED543DE31}" type="datetimeFigureOut">
               <a:rPr lang="ko-KR" altLang="en-US" smtClean="0"/>
-              <a:t>2019-07-23</a:t>
+              <a:t>2019-08-05</a:t>
             </a:fld>
             <a:endParaRPr lang="ko-KR" altLang="en-US"/>
           </a:p>
@@ -1605,7 +1612,7 @@
           <a:p>
             <a:fld id="{CEDA20BB-A36C-44CB-A9A0-32BED543DE31}" type="datetimeFigureOut">
               <a:rPr lang="ko-KR" altLang="en-US" smtClean="0"/>
-              <a:t>2019-07-23</a:t>
+              <a:t>2019-08-05</a:t>
             </a:fld>
             <a:endParaRPr lang="ko-KR" altLang="en-US"/>
           </a:p>
@@ -1723,7 +1730,7 @@
           <a:p>
             <a:fld id="{CEDA20BB-A36C-44CB-A9A0-32BED543DE31}" type="datetimeFigureOut">
               <a:rPr lang="ko-KR" altLang="en-US" smtClean="0"/>
-              <a:t>2019-07-23</a:t>
+              <a:t>2019-08-05</a:t>
             </a:fld>
             <a:endParaRPr lang="ko-KR" altLang="en-US"/>
           </a:p>
@@ -1818,7 +1825,7 @@
           <a:p>
             <a:fld id="{CEDA20BB-A36C-44CB-A9A0-32BED543DE31}" type="datetimeFigureOut">
               <a:rPr lang="ko-KR" altLang="en-US" smtClean="0"/>
-              <a:t>2019-07-23</a:t>
+              <a:t>2019-08-05</a:t>
             </a:fld>
             <a:endParaRPr lang="ko-KR" altLang="en-US"/>
           </a:p>
@@ -2095,7 +2102,7 @@
           <a:p>
             <a:fld id="{CEDA20BB-A36C-44CB-A9A0-32BED543DE31}" type="datetimeFigureOut">
               <a:rPr lang="ko-KR" altLang="en-US" smtClean="0"/>
-              <a:t>2019-07-23</a:t>
+              <a:t>2019-08-05</a:t>
             </a:fld>
             <a:endParaRPr lang="ko-KR" altLang="en-US"/>
           </a:p>
@@ -2348,7 +2355,7 @@
           <a:p>
             <a:fld id="{CEDA20BB-A36C-44CB-A9A0-32BED543DE31}" type="datetimeFigureOut">
               <a:rPr lang="ko-KR" altLang="en-US" smtClean="0"/>
-              <a:t>2019-07-23</a:t>
+              <a:t>2019-08-05</a:t>
             </a:fld>
             <a:endParaRPr lang="ko-KR" altLang="en-US"/>
           </a:p>
@@ -2561,7 +2568,7 @@
           <a:p>
             <a:fld id="{CEDA20BB-A36C-44CB-A9A0-32BED543DE31}" type="datetimeFigureOut">
               <a:rPr lang="ko-KR" altLang="en-US" smtClean="0"/>
-              <a:t>2019-07-23</a:t>
+              <a:t>2019-08-05</a:t>
             </a:fld>
             <a:endParaRPr lang="ko-KR" altLang="en-US"/>
           </a:p>
@@ -2974,8 +2981,8 @@
         </p:nvSpPr>
         <p:spPr>
           <a:xfrm>
-            <a:off x="2610197" y="1496291"/>
-            <a:ext cx="5769032" cy="3831818"/>
+            <a:off x="299258" y="174498"/>
+            <a:ext cx="5261956" cy="4939814"/>
           </a:xfrm>
           <a:prstGeom prst="rect">
             <a:avLst/>
@@ -2996,7 +3003,7 @@
               <a:buAutoNum type="romanUcPeriod"/>
             </a:pPr>
             <a:r>
-              <a:rPr lang="en-US" altLang="ko-KR" dirty="0" smtClean="0"/>
+              <a:rPr lang="en-US" altLang="ko-KR" sz="1400" b="1" dirty="0" smtClean="0"/>
               <a:t>Intro</a:t>
             </a:r>
           </a:p>
@@ -3009,18 +3016,10 @@
               <a:buAutoNum type="alphaLcPeriod"/>
             </a:pPr>
             <a:r>
-              <a:rPr lang="ko-KR" altLang="en-US" dirty="0" err="1" smtClean="0"/>
-              <a:t>머신러닝과</a:t>
-            </a:r>
-            <a:r>
-              <a:rPr lang="ko-KR" altLang="en-US" dirty="0" smtClean="0"/>
-              <a:t> </a:t>
-            </a:r>
-            <a:r>
-              <a:rPr lang="ko-KR" altLang="en-US" dirty="0" err="1" smtClean="0"/>
-              <a:t>딥러닝</a:t>
-            </a:r>
-            <a:endParaRPr lang="en-US" altLang="ko-KR" dirty="0" smtClean="0"/>
+              <a:rPr lang="en-US" altLang="ko-KR" sz="1400" dirty="0" smtClean="0"/>
+              <a:t>Machine Learning and Deep Learning</a:t>
+            </a:r>
+            <a:endParaRPr lang="en-US" altLang="ko-KR" sz="1400" dirty="0" smtClean="0"/>
           </a:p>
           <a:p>
             <a:pPr marL="400050" indent="-400050">
@@ -3031,10 +3030,10 @@
               <a:buAutoNum type="romanUcPeriod" startAt="2"/>
             </a:pPr>
             <a:r>
-              <a:rPr lang="ko-KR" altLang="en-US" dirty="0" smtClean="0"/>
-              <a:t>나노 소자 설계 방법</a:t>
-            </a:r>
-            <a:endParaRPr lang="en-US" altLang="ko-KR" dirty="0" smtClean="0"/>
+              <a:rPr lang="en-US" altLang="ko-KR" sz="1400" b="1" dirty="0" smtClean="0"/>
+              <a:t>Nanophotonic Structure Design Method</a:t>
+            </a:r>
+            <a:endParaRPr lang="en-US" altLang="ko-KR" sz="1400" b="1" dirty="0" smtClean="0"/>
           </a:p>
           <a:p>
             <a:pPr marL="857250" lvl="1" indent="-400050">
@@ -3045,10 +3044,10 @@
               <a:buAutoNum type="alphaLcPeriod"/>
             </a:pPr>
             <a:r>
-              <a:rPr lang="ko-KR" altLang="en-US" dirty="0" smtClean="0"/>
+              <a:rPr lang="ko-KR" altLang="en-US" sz="1400" dirty="0" smtClean="0"/>
               <a:t>기존 설계 방법</a:t>
             </a:r>
-            <a:endParaRPr lang="en-US" altLang="ko-KR" dirty="0" smtClean="0"/>
+            <a:endParaRPr lang="en-US" altLang="ko-KR" sz="1400" dirty="0" smtClean="0"/>
           </a:p>
           <a:p>
             <a:pPr marL="857250" lvl="1" indent="-400050">
@@ -3059,14 +3058,10 @@
               <a:buAutoNum type="alphaLcPeriod"/>
             </a:pPr>
             <a:r>
-              <a:rPr lang="ko-KR" altLang="en-US" dirty="0" err="1" smtClean="0"/>
-              <a:t>딥러닝의</a:t>
-            </a:r>
-            <a:r>
-              <a:rPr lang="ko-KR" altLang="en-US" dirty="0" smtClean="0"/>
-              <a:t> 필요성</a:t>
-            </a:r>
-            <a:endParaRPr lang="en-US" altLang="ko-KR" dirty="0" smtClean="0"/>
+              <a:rPr lang="en-US" altLang="ko-KR" sz="1400" dirty="0" smtClean="0"/>
+              <a:t>Motivation: Why Machine Learning</a:t>
+            </a:r>
+            <a:endParaRPr lang="en-US" altLang="ko-KR" sz="1400" dirty="0" smtClean="0"/>
           </a:p>
           <a:p>
             <a:pPr marL="400050" indent="-400050">
@@ -3077,9 +3072,74 @@
               <a:buAutoNum type="romanUcPeriod" startAt="2"/>
             </a:pPr>
             <a:r>
-              <a:rPr lang="en-US" altLang="ko-KR" dirty="0" smtClean="0"/>
-              <a:t>Additive Reinforcement Learning Algorithm</a:t>
-            </a:r>
+              <a:rPr lang="en-US" altLang="ko-KR" sz="1400" b="1" dirty="0" smtClean="0"/>
+              <a:t>Additive Reinforcement Learning </a:t>
+            </a:r>
+            <a:r>
+              <a:rPr lang="en-US" altLang="ko-KR" sz="1400" b="1" dirty="0" smtClean="0"/>
+              <a:t>Algorithm</a:t>
+            </a:r>
+          </a:p>
+          <a:p>
+            <a:pPr marL="857250" lvl="1" indent="-400050">
+              <a:lnSpc>
+                <a:spcPct val="150000"/>
+              </a:lnSpc>
+              <a:buFont typeface="+mj-lt"/>
+              <a:buAutoNum type="alphaLcPeriod"/>
+            </a:pPr>
+            <a:r>
+              <a:rPr lang="en-US" altLang="ko-KR" sz="1400" dirty="0" smtClean="0"/>
+              <a:t>1D DBR</a:t>
+            </a:r>
+          </a:p>
+          <a:p>
+            <a:pPr marL="1200150" lvl="2" indent="-285750">
+              <a:lnSpc>
+                <a:spcPct val="150000"/>
+              </a:lnSpc>
+              <a:buFontTx/>
+              <a:buChar char="-"/>
+            </a:pPr>
+            <a:r>
+              <a:rPr lang="en-US" altLang="ko-KR" sz="1400" dirty="0" smtClean="0"/>
+              <a:t>Data Generation and Preprocessing</a:t>
+            </a:r>
+          </a:p>
+          <a:p>
+            <a:pPr marL="857250" lvl="1" indent="-400050">
+              <a:lnSpc>
+                <a:spcPct val="150000"/>
+              </a:lnSpc>
+              <a:buFont typeface="+mj-lt"/>
+              <a:buAutoNum type="alphaLcPeriod"/>
+            </a:pPr>
+            <a:r>
+              <a:rPr lang="en-US" altLang="ko-KR" sz="1400" dirty="0" smtClean="0"/>
+              <a:t>Power Splitter</a:t>
+            </a:r>
+          </a:p>
+          <a:p>
+            <a:pPr marL="1200150" lvl="2" indent="-285750">
+              <a:lnSpc>
+                <a:spcPct val="150000"/>
+              </a:lnSpc>
+              <a:buFontTx/>
+              <a:buChar char="-"/>
+            </a:pPr>
+            <a:r>
+              <a:rPr lang="en-US" altLang="ko-KR" sz="1400" dirty="0" smtClean="0"/>
+              <a:t>Data </a:t>
+            </a:r>
+            <a:r>
+              <a:rPr lang="en-US" altLang="ko-KR" sz="1400" dirty="0"/>
+              <a:t>Generation and </a:t>
+            </a:r>
+            <a:r>
+              <a:rPr lang="en-US" altLang="ko-KR" sz="1400" dirty="0" smtClean="0"/>
+              <a:t>Preprocessing</a:t>
+            </a:r>
+            <a:endParaRPr lang="en-US" altLang="ko-KR" sz="1400" dirty="0" smtClean="0"/>
           </a:p>
           <a:p>
             <a:pPr marL="400050" indent="-400050">
@@ -3090,9 +3150,44 @@
               <a:buAutoNum type="romanUcPeriod" startAt="2"/>
             </a:pPr>
             <a:r>
-              <a:rPr lang="en-US" altLang="ko-KR" dirty="0" smtClean="0"/>
-              <a:t>Inverse Design with Neural Network</a:t>
-            </a:r>
+              <a:rPr lang="en-US" altLang="ko-KR" sz="1400" b="1" dirty="0" smtClean="0"/>
+              <a:t>Inverse </a:t>
+            </a:r>
+            <a:r>
+              <a:rPr lang="en-US" altLang="ko-KR" sz="1400" b="1" dirty="0" smtClean="0"/>
+              <a:t>Design with Neural </a:t>
+            </a:r>
+            <a:r>
+              <a:rPr lang="en-US" altLang="ko-KR" sz="1400" b="1" dirty="0" smtClean="0"/>
+              <a:t>Network</a:t>
+            </a:r>
+          </a:p>
+          <a:p>
+            <a:pPr marL="857250" lvl="1" indent="-400050">
+              <a:lnSpc>
+                <a:spcPct val="150000"/>
+              </a:lnSpc>
+              <a:buFont typeface="+mj-lt"/>
+              <a:buAutoNum type="alphaLcPeriod"/>
+            </a:pPr>
+            <a:r>
+              <a:rPr lang="en-US" altLang="ko-KR" sz="1400" dirty="0" smtClean="0"/>
+              <a:t>1D DBR</a:t>
+            </a:r>
+          </a:p>
+          <a:p>
+            <a:pPr marL="857250" lvl="1" indent="-400050">
+              <a:lnSpc>
+                <a:spcPct val="150000"/>
+              </a:lnSpc>
+              <a:buFont typeface="+mj-lt"/>
+              <a:buAutoNum type="alphaLcPeriod"/>
+            </a:pPr>
+            <a:r>
+              <a:rPr lang="en-US" altLang="ko-KR" sz="1400" dirty="0" smtClean="0"/>
+              <a:t>Power Splitter</a:t>
+            </a:r>
+            <a:endParaRPr lang="en-US" altLang="ko-KR" sz="1400" dirty="0" smtClean="0"/>
           </a:p>
           <a:p>
             <a:pPr marL="400050" indent="-400050">
@@ -3103,7 +3198,7 @@
               <a:buAutoNum type="romanUcPeriod" startAt="2"/>
             </a:pPr>
             <a:r>
-              <a:rPr lang="en-US" altLang="ko-KR" dirty="0" smtClean="0"/>
+              <a:rPr lang="en-US" altLang="ko-KR" sz="1400" b="1" dirty="0" smtClean="0"/>
               <a:t>Result</a:t>
             </a:r>
           </a:p>
@@ -3116,10 +3211,379 @@
               <a:buAutoNum type="romanUcPeriod" startAt="2"/>
             </a:pPr>
             <a:r>
-              <a:rPr lang="en-US" altLang="ko-KR" dirty="0" smtClean="0"/>
+              <a:rPr lang="en-US" altLang="ko-KR" sz="1400" b="1" dirty="0" smtClean="0"/>
               <a:t>References</a:t>
             </a:r>
-            <a:endParaRPr lang="ko-KR" altLang="en-US" dirty="0"/>
+            <a:endParaRPr lang="ko-KR" altLang="en-US" sz="1400" b="1" dirty="0"/>
+          </a:p>
+        </p:txBody>
+      </p:sp>
+      <p:sp>
+        <p:nvSpPr>
+          <p:cNvPr id="3" name="TextBox 2"/>
+          <p:cNvSpPr txBox="1"/>
+          <p:nvPr/>
+        </p:nvSpPr>
+        <p:spPr>
+          <a:xfrm>
+            <a:off x="6201294" y="174498"/>
+            <a:ext cx="5719157" cy="6190862"/>
+          </a:xfrm>
+          <a:prstGeom prst="rect">
+            <a:avLst/>
+          </a:prstGeom>
+          <a:noFill/>
+        </p:spPr>
+        <p:txBody>
+          <a:bodyPr wrap="square" rtlCol="0">
+            <a:spAutoFit/>
+          </a:bodyPr>
+          <a:lstStyle/>
+          <a:p>
+            <a:pPr marL="400050" indent="-400050">
+              <a:lnSpc>
+                <a:spcPct val="150000"/>
+              </a:lnSpc>
+              <a:buFont typeface="+mj-lt"/>
+              <a:buAutoNum type="romanUcPeriod"/>
+            </a:pPr>
+            <a:r>
+              <a:rPr lang="en-US" altLang="ko-KR" sz="1400" b="1" dirty="0" smtClean="0"/>
+              <a:t>Intro</a:t>
+            </a:r>
+          </a:p>
+          <a:p>
+            <a:pPr marL="857250" lvl="1" indent="-400050">
+              <a:lnSpc>
+                <a:spcPct val="150000"/>
+              </a:lnSpc>
+              <a:buFont typeface="+mj-lt"/>
+              <a:buAutoNum type="alphaLcPeriod"/>
+            </a:pPr>
+            <a:r>
+              <a:rPr lang="en-US" altLang="ko-KR" sz="1400" dirty="0" smtClean="0"/>
+              <a:t>Motivation</a:t>
+            </a:r>
+          </a:p>
+          <a:p>
+            <a:pPr marL="857250" lvl="1" indent="-400050">
+              <a:lnSpc>
+                <a:spcPct val="150000"/>
+              </a:lnSpc>
+              <a:buFont typeface="+mj-lt"/>
+              <a:buAutoNum type="alphaLcPeriod"/>
+            </a:pPr>
+            <a:r>
+              <a:rPr lang="en-US" altLang="ko-KR" sz="1400" dirty="0" smtClean="0"/>
+              <a:t>Machine Learning and Deep Learning</a:t>
+            </a:r>
+            <a:endParaRPr lang="en-US" altLang="ko-KR" sz="1400" dirty="0" smtClean="0"/>
+          </a:p>
+          <a:p>
+            <a:pPr marL="400050" indent="-400050">
+              <a:lnSpc>
+                <a:spcPct val="150000"/>
+              </a:lnSpc>
+              <a:buFont typeface="+mj-lt"/>
+              <a:buAutoNum type="romanUcPeriod" startAt="2"/>
+            </a:pPr>
+            <a:r>
+              <a:rPr lang="en-US" altLang="ko-KR" sz="1400" b="1" dirty="0" smtClean="0"/>
+              <a:t>Machine Learning Methods</a:t>
+            </a:r>
+            <a:endParaRPr lang="en-US" altLang="ko-KR" sz="1400" b="1" dirty="0" smtClean="0"/>
+          </a:p>
+          <a:p>
+            <a:pPr marL="857250" lvl="1" indent="-400050">
+              <a:lnSpc>
+                <a:spcPct val="150000"/>
+              </a:lnSpc>
+              <a:buFont typeface="+mj-lt"/>
+              <a:buAutoNum type="alphaLcPeriod"/>
+            </a:pPr>
+            <a:r>
+              <a:rPr lang="en-US" altLang="ko-KR" sz="1400" dirty="0" smtClean="0"/>
+              <a:t>Additive </a:t>
+            </a:r>
+            <a:r>
+              <a:rPr lang="en-US" altLang="ko-KR" sz="1400" dirty="0" smtClean="0"/>
+              <a:t>Reinforcement Learning </a:t>
+            </a:r>
+            <a:r>
+              <a:rPr lang="en-US" altLang="ko-KR" sz="1400" dirty="0" smtClean="0"/>
+              <a:t>Algorithm</a:t>
+            </a:r>
+          </a:p>
+          <a:p>
+            <a:pPr marL="857250" lvl="1" indent="-400050">
+              <a:lnSpc>
+                <a:spcPct val="150000"/>
+              </a:lnSpc>
+              <a:buFont typeface="+mj-lt"/>
+              <a:buAutoNum type="alphaLcPeriod"/>
+            </a:pPr>
+            <a:r>
+              <a:rPr lang="en-US" altLang="ko-KR" sz="1400" dirty="0" smtClean="0"/>
+              <a:t>Artificial Neural Network</a:t>
+            </a:r>
+          </a:p>
+          <a:p>
+            <a:pPr marL="1200150" lvl="2" indent="-285750">
+              <a:lnSpc>
+                <a:spcPct val="150000"/>
+              </a:lnSpc>
+              <a:buFontTx/>
+              <a:buChar char="-"/>
+            </a:pPr>
+            <a:r>
+              <a:rPr lang="en-US" altLang="ko-KR" sz="1400" dirty="0" smtClean="0"/>
+              <a:t>Fully Connected Neural Network</a:t>
+            </a:r>
+          </a:p>
+          <a:p>
+            <a:pPr marL="1200150" lvl="2" indent="-285750">
+              <a:lnSpc>
+                <a:spcPct val="150000"/>
+              </a:lnSpc>
+              <a:buFontTx/>
+              <a:buChar char="-"/>
+            </a:pPr>
+            <a:r>
+              <a:rPr lang="en-US" altLang="ko-KR" sz="1400" dirty="0"/>
+              <a:t>Densely connected Convolutional Networks </a:t>
+            </a:r>
+            <a:endParaRPr lang="en-US" altLang="ko-KR" sz="1400" dirty="0" smtClean="0"/>
+          </a:p>
+          <a:p>
+            <a:pPr marL="400050" indent="-400050">
+              <a:lnSpc>
+                <a:spcPct val="150000"/>
+              </a:lnSpc>
+              <a:buFont typeface="+mj-lt"/>
+              <a:buAutoNum type="romanUcPeriod" startAt="2"/>
+            </a:pPr>
+            <a:r>
+              <a:rPr lang="en-US" altLang="ko-KR" sz="1400" b="1" dirty="0" smtClean="0"/>
+              <a:t>Device Modeling</a:t>
+            </a:r>
+          </a:p>
+          <a:p>
+            <a:pPr marL="857250" lvl="1" indent="-400050">
+              <a:lnSpc>
+                <a:spcPct val="150000"/>
+              </a:lnSpc>
+              <a:buFont typeface="+mj-lt"/>
+              <a:buAutoNum type="alphaLcPeriod"/>
+            </a:pPr>
+            <a:r>
+              <a:rPr lang="en-US" altLang="ko-KR" sz="1400" dirty="0" smtClean="0"/>
+              <a:t>1D DBR</a:t>
+            </a:r>
+          </a:p>
+          <a:p>
+            <a:pPr marL="1200150" lvl="2" indent="-285750">
+              <a:lnSpc>
+                <a:spcPct val="150000"/>
+              </a:lnSpc>
+              <a:buFontTx/>
+              <a:buChar char="-"/>
+            </a:pPr>
+            <a:r>
+              <a:rPr lang="en-US" altLang="ko-KR" sz="1400" dirty="0" smtClean="0"/>
+              <a:t>Data Generation and Preprocessing</a:t>
+            </a:r>
+          </a:p>
+          <a:p>
+            <a:pPr marL="1200150" lvl="2" indent="-285750">
+              <a:lnSpc>
+                <a:spcPct val="150000"/>
+              </a:lnSpc>
+              <a:buFontTx/>
+              <a:buChar char="-"/>
+            </a:pPr>
+            <a:r>
+              <a:rPr lang="en-US" altLang="ko-KR" sz="1400" dirty="0" smtClean="0"/>
+              <a:t>ARLA approach</a:t>
+            </a:r>
+          </a:p>
+          <a:p>
+            <a:pPr marL="1200150" lvl="2" indent="-285750">
+              <a:lnSpc>
+                <a:spcPct val="150000"/>
+              </a:lnSpc>
+              <a:buFontTx/>
+              <a:buChar char="-"/>
+            </a:pPr>
+            <a:r>
+              <a:rPr lang="en-US" altLang="ko-KR" sz="1400" dirty="0" smtClean="0"/>
+              <a:t>ANN approach</a:t>
+            </a:r>
+            <a:endParaRPr lang="en-US" altLang="ko-KR" sz="1400" dirty="0" smtClean="0"/>
+          </a:p>
+          <a:p>
+            <a:pPr marL="857250" lvl="1" indent="-400050">
+              <a:lnSpc>
+                <a:spcPct val="150000"/>
+              </a:lnSpc>
+              <a:buFont typeface="+mj-lt"/>
+              <a:buAutoNum type="alphaLcPeriod"/>
+            </a:pPr>
+            <a:r>
+              <a:rPr lang="en-US" altLang="ko-KR" sz="1400" dirty="0" smtClean="0"/>
+              <a:t>Power Splitter (2 output, 3output)</a:t>
+            </a:r>
+          </a:p>
+          <a:p>
+            <a:pPr marL="1200150" lvl="2" indent="-285750">
+              <a:lnSpc>
+                <a:spcPct val="150000"/>
+              </a:lnSpc>
+              <a:buFontTx/>
+              <a:buChar char="-"/>
+            </a:pPr>
+            <a:r>
+              <a:rPr lang="en-US" altLang="ko-KR" sz="1400" dirty="0" smtClean="0"/>
+              <a:t>Data Generation and Preprocessing</a:t>
+            </a:r>
+          </a:p>
+          <a:p>
+            <a:pPr marL="1200150" lvl="2" indent="-285750">
+              <a:lnSpc>
+                <a:spcPct val="150000"/>
+              </a:lnSpc>
+              <a:buFontTx/>
+              <a:buChar char="-"/>
+            </a:pPr>
+            <a:r>
+              <a:rPr lang="en-US" altLang="ko-KR" sz="1400" dirty="0" smtClean="0"/>
+              <a:t>ARLA approach</a:t>
+            </a:r>
+          </a:p>
+          <a:p>
+            <a:pPr marL="1200150" lvl="2" indent="-285750">
+              <a:lnSpc>
+                <a:spcPct val="150000"/>
+              </a:lnSpc>
+              <a:buFontTx/>
+              <a:buChar char="-"/>
+            </a:pPr>
+            <a:r>
+              <a:rPr lang="en-US" altLang="ko-KR" sz="1400" dirty="0" smtClean="0"/>
+              <a:t>ANN approach</a:t>
+            </a:r>
+            <a:endParaRPr lang="en-US" altLang="ko-KR" sz="1400" dirty="0" smtClean="0"/>
+          </a:p>
+          <a:p>
+            <a:pPr marL="400050" indent="-400050">
+              <a:lnSpc>
+                <a:spcPct val="150000"/>
+              </a:lnSpc>
+              <a:buFont typeface="+mj-lt"/>
+              <a:buAutoNum type="romanUcPeriod" startAt="2"/>
+            </a:pPr>
+            <a:r>
+              <a:rPr lang="en-US" altLang="ko-KR" sz="1400" b="1" dirty="0" smtClean="0"/>
+              <a:t>Result</a:t>
+            </a:r>
+            <a:endParaRPr lang="en-US" altLang="ko-KR" sz="1400" b="1" dirty="0" smtClean="0"/>
+          </a:p>
+          <a:p>
+            <a:pPr marL="400050" indent="-400050">
+              <a:lnSpc>
+                <a:spcPct val="150000"/>
+              </a:lnSpc>
+              <a:buFont typeface="+mj-lt"/>
+              <a:buAutoNum type="romanUcPeriod" startAt="2"/>
+            </a:pPr>
+            <a:r>
+              <a:rPr lang="en-US" altLang="ko-KR" sz="1400" b="1" dirty="0" smtClean="0"/>
+              <a:t>References</a:t>
+            </a:r>
+            <a:endParaRPr lang="ko-KR" altLang="en-US" sz="1400" b="1" dirty="0"/>
+          </a:p>
+        </p:txBody>
+      </p:sp>
+      <p:sp>
+        <p:nvSpPr>
+          <p:cNvPr id="6" name="직사각형 5"/>
+          <p:cNvSpPr/>
+          <p:nvPr/>
+        </p:nvSpPr>
+        <p:spPr>
+          <a:xfrm>
+            <a:off x="6201294" y="174498"/>
+            <a:ext cx="5719157" cy="6475684"/>
+          </a:xfrm>
+          <a:prstGeom prst="rect">
+            <a:avLst/>
+          </a:prstGeom>
+          <a:noFill/>
+          <a:ln w="38100"/>
+        </p:spPr>
+        <p:style>
+          <a:lnRef idx="2">
+            <a:schemeClr val="accent1">
+              <a:shade val="50000"/>
+            </a:schemeClr>
+          </a:lnRef>
+          <a:fillRef idx="1">
+            <a:schemeClr val="accent1"/>
+          </a:fillRef>
+          <a:effectRef idx="0">
+            <a:schemeClr val="accent1"/>
+          </a:effectRef>
+          <a:fontRef idx="minor">
+            <a:schemeClr val="lt1"/>
+          </a:fontRef>
+        </p:style>
+        <p:txBody>
+          <a:bodyPr rtlCol="0" anchor="ctr"/>
+          <a:lstStyle/>
+          <a:p>
+            <a:pPr algn="ctr"/>
+            <a:endParaRPr lang="ko-KR" altLang="en-US"/>
+          </a:p>
+        </p:txBody>
+      </p:sp>
+      <p:sp>
+        <p:nvSpPr>
+          <p:cNvPr id="7" name="직사각형 6"/>
+          <p:cNvSpPr/>
+          <p:nvPr/>
+        </p:nvSpPr>
+        <p:spPr>
+          <a:xfrm>
+            <a:off x="273021" y="174498"/>
+            <a:ext cx="5288193" cy="6475684"/>
+          </a:xfrm>
+          <a:prstGeom prst="rect">
+            <a:avLst/>
+          </a:prstGeom>
+          <a:noFill/>
+          <a:ln w="38100"/>
+        </p:spPr>
+        <p:style>
+          <a:lnRef idx="2">
+            <a:schemeClr val="accent1">
+              <a:shade val="50000"/>
+            </a:schemeClr>
+          </a:lnRef>
+          <a:fillRef idx="1">
+            <a:schemeClr val="accent1"/>
+          </a:fillRef>
+          <a:effectRef idx="0">
+            <a:schemeClr val="accent1"/>
+          </a:effectRef>
+          <a:fontRef idx="minor">
+            <a:schemeClr val="lt1"/>
+          </a:fontRef>
+        </p:style>
+        <p:txBody>
+          <a:bodyPr rtlCol="0" anchor="ctr"/>
+          <a:lstStyle/>
+          <a:p>
+            <a:pPr algn="ctr"/>
+            <a:endParaRPr lang="ko-KR" altLang="en-US"/>
           </a:p>
         </p:txBody>
       </p:sp>
@@ -3537,6 +4001,260 @@
           </p:txBody>
         </p:sp>
       </p:grpSp>
+      <p:sp>
+        <p:nvSpPr>
+          <p:cNvPr id="15" name="직사각형 14"/>
+          <p:cNvSpPr/>
+          <p:nvPr/>
+        </p:nvSpPr>
+        <p:spPr>
+          <a:xfrm>
+            <a:off x="537521" y="3456385"/>
+            <a:ext cx="8207468" cy="461665"/>
+          </a:xfrm>
+          <a:prstGeom prst="rect">
+            <a:avLst/>
+          </a:prstGeom>
+        </p:spPr>
+        <p:txBody>
+          <a:bodyPr wrap="square">
+            <a:spAutoFit/>
+          </a:bodyPr>
+          <a:lstStyle/>
+          <a:p>
+            <a:r>
+              <a:rPr lang="en-US" altLang="ko-KR" sz="1200" b="1" dirty="0" smtClean="0">
+                <a:latin typeface="Times New Roman" panose="02020603050405020304" pitchFamily="18" charset="0"/>
+                <a:cs typeface="Times New Roman" panose="02020603050405020304" pitchFamily="18" charset="0"/>
+              </a:rPr>
+              <a:t>Machine Learning</a:t>
+            </a:r>
+            <a:r>
+              <a:rPr lang="en-US" altLang="ko-KR" sz="1200" dirty="0" smtClean="0">
+                <a:latin typeface="Times New Roman" panose="02020603050405020304" pitchFamily="18" charset="0"/>
+                <a:cs typeface="Times New Roman" panose="02020603050405020304" pitchFamily="18" charset="0"/>
+              </a:rPr>
+              <a:t>:</a:t>
+            </a:r>
+          </a:p>
+          <a:p>
+            <a:r>
+              <a:rPr lang="en-US" altLang="ko-KR" sz="1200" dirty="0" smtClean="0">
+                <a:latin typeface="Times New Roman" panose="02020603050405020304" pitchFamily="18" charset="0"/>
+                <a:cs typeface="Times New Roman" panose="02020603050405020304" pitchFamily="18" charset="0"/>
+              </a:rPr>
+              <a:t>Machine Learning is the study of computer algorithms that improve automatically through experience.</a:t>
+            </a:r>
+            <a:endParaRPr lang="en-US" altLang="ko-KR" sz="1200" dirty="0" smtClean="0">
+              <a:latin typeface="Times New Roman" panose="02020603050405020304" pitchFamily="18" charset="0"/>
+              <a:cs typeface="Times New Roman" panose="02020603050405020304" pitchFamily="18" charset="0"/>
+            </a:endParaRPr>
+          </a:p>
+        </p:txBody>
+      </p:sp>
+      <p:sp>
+        <p:nvSpPr>
+          <p:cNvPr id="16" name="TextBox 15"/>
+          <p:cNvSpPr txBox="1"/>
+          <p:nvPr/>
+        </p:nvSpPr>
+        <p:spPr>
+          <a:xfrm>
+            <a:off x="537521" y="4102716"/>
+            <a:ext cx="8207468" cy="830997"/>
+          </a:xfrm>
+          <a:prstGeom prst="rect">
+            <a:avLst/>
+          </a:prstGeom>
+          <a:noFill/>
+        </p:spPr>
+        <p:txBody>
+          <a:bodyPr wrap="square" rtlCol="0">
+            <a:spAutoFit/>
+          </a:bodyPr>
+          <a:lstStyle/>
+          <a:p>
+            <a:r>
+              <a:rPr lang="en-US" altLang="ko-KR" sz="1200" b="1" dirty="0" smtClean="0">
+                <a:latin typeface="Times New Roman" panose="02020603050405020304" pitchFamily="18" charset="0"/>
+                <a:cs typeface="Times New Roman" panose="02020603050405020304" pitchFamily="18" charset="0"/>
+              </a:rPr>
+              <a:t>Deep Learning:</a:t>
+            </a:r>
+          </a:p>
+          <a:p>
+            <a:r>
+              <a:rPr lang="en-US" altLang="ko-KR" sz="1200" dirty="0" smtClean="0">
+                <a:latin typeface="Times New Roman" panose="02020603050405020304" pitchFamily="18" charset="0"/>
+                <a:cs typeface="Times New Roman" panose="02020603050405020304" pitchFamily="18" charset="0"/>
+              </a:rPr>
+              <a:t>Deep learning is a particular kind of machine learning that achieves great power and flexibility by learning to represent the world as </a:t>
+            </a:r>
+            <a:r>
+              <a:rPr lang="en-US" altLang="ko-KR" sz="1200" i="1" u="sng" dirty="0" smtClean="0">
+                <a:latin typeface="Times New Roman" panose="02020603050405020304" pitchFamily="18" charset="0"/>
+                <a:cs typeface="Times New Roman" panose="02020603050405020304" pitchFamily="18" charset="0"/>
+              </a:rPr>
+              <a:t>nested hierarchy of concepts</a:t>
+            </a:r>
+            <a:r>
+              <a:rPr lang="en-US" altLang="ko-KR" sz="1200" dirty="0" smtClean="0">
+                <a:latin typeface="Times New Roman" panose="02020603050405020304" pitchFamily="18" charset="0"/>
+                <a:cs typeface="Times New Roman" panose="02020603050405020304" pitchFamily="18" charset="0"/>
+              </a:rPr>
+              <a:t>, with each concept defined in relation to </a:t>
+            </a:r>
+            <a:r>
+              <a:rPr lang="en-US" altLang="ko-KR" sz="1200" i="1" u="sng" dirty="0" smtClean="0">
+                <a:latin typeface="Times New Roman" panose="02020603050405020304" pitchFamily="18" charset="0"/>
+                <a:cs typeface="Times New Roman" panose="02020603050405020304" pitchFamily="18" charset="0"/>
+              </a:rPr>
+              <a:t>simpler concepts</a:t>
+            </a:r>
+            <a:r>
+              <a:rPr lang="en-US" altLang="ko-KR" sz="1200" dirty="0" smtClean="0">
+                <a:latin typeface="Times New Roman" panose="02020603050405020304" pitchFamily="18" charset="0"/>
+                <a:cs typeface="Times New Roman" panose="02020603050405020304" pitchFamily="18" charset="0"/>
+              </a:rPr>
+              <a:t>, and more abstract representations computed in terms of less abstract ones</a:t>
+            </a:r>
+          </a:p>
+        </p:txBody>
+      </p:sp>
+      <p:sp>
+        <p:nvSpPr>
+          <p:cNvPr id="17" name="직사각형 16"/>
+          <p:cNvSpPr/>
+          <p:nvPr/>
+        </p:nvSpPr>
+        <p:spPr>
+          <a:xfrm>
+            <a:off x="214784" y="5637454"/>
+            <a:ext cx="11122701" cy="707886"/>
+          </a:xfrm>
+          <a:prstGeom prst="rect">
+            <a:avLst/>
+          </a:prstGeom>
+        </p:spPr>
+        <p:txBody>
+          <a:bodyPr wrap="square">
+            <a:spAutoFit/>
+          </a:bodyPr>
+          <a:lstStyle/>
+          <a:p>
+            <a:r>
+              <a:rPr lang="en-US" altLang="ko-KR" sz="1000" dirty="0" smtClean="0">
+                <a:solidFill>
+                  <a:srgbClr val="333333"/>
+                </a:solidFill>
+                <a:latin typeface="Times New Roman" panose="02020603050405020304" pitchFamily="18" charset="0"/>
+              </a:rPr>
+              <a:t>Machine Learning definition</a:t>
+            </a:r>
+          </a:p>
+          <a:p>
+            <a:pPr marL="171450" indent="-171450">
+              <a:buFontTx/>
+              <a:buChar char="-"/>
+            </a:pPr>
+            <a:r>
+              <a:rPr lang="en-US" altLang="ko-KR" sz="1000" dirty="0" smtClean="0">
+                <a:solidFill>
+                  <a:srgbClr val="333333"/>
+                </a:solidFill>
+                <a:latin typeface="Times New Roman" panose="02020603050405020304" pitchFamily="18" charset="0"/>
+              </a:rPr>
+              <a:t>T</a:t>
+            </a:r>
+            <a:r>
+              <a:rPr lang="en-US" altLang="ko-KR" sz="1000" dirty="0">
+                <a:solidFill>
+                  <a:srgbClr val="333333"/>
+                </a:solidFill>
+                <a:latin typeface="Times New Roman" panose="02020603050405020304" pitchFamily="18" charset="0"/>
+              </a:rPr>
+              <a:t>. M. Mitchell, Machine Learning. New York: McGraw-Hill, 1997. </a:t>
+            </a:r>
+            <a:endParaRPr lang="en-US" altLang="ko-KR" sz="1000" dirty="0" smtClean="0">
+              <a:solidFill>
+                <a:srgbClr val="333333"/>
+              </a:solidFill>
+              <a:latin typeface="Times New Roman" panose="02020603050405020304" pitchFamily="18" charset="0"/>
+            </a:endParaRPr>
+          </a:p>
+          <a:p>
+            <a:r>
+              <a:rPr lang="en-US" altLang="ko-KR" sz="1000" dirty="0" smtClean="0">
+                <a:solidFill>
+                  <a:srgbClr val="333333"/>
+                </a:solidFill>
+                <a:latin typeface="Times New Roman" panose="02020603050405020304" pitchFamily="18" charset="0"/>
+              </a:rPr>
+              <a:t>Deep Learning categorization review</a:t>
+            </a:r>
+          </a:p>
+          <a:p>
+            <a:pPr marL="171450" indent="-171450">
+              <a:buFontTx/>
+              <a:buChar char="-"/>
+            </a:pPr>
+            <a:r>
+              <a:rPr lang="en-US" altLang="ko-KR" sz="1000" dirty="0" smtClean="0">
+                <a:solidFill>
+                  <a:srgbClr val="333333"/>
+                </a:solidFill>
+                <a:latin typeface="Times New Roman" panose="02020603050405020304" pitchFamily="18" charset="0"/>
+              </a:rPr>
+              <a:t>Y</a:t>
+            </a:r>
+            <a:r>
+              <a:rPr lang="en-US" altLang="ko-KR" sz="1000" dirty="0">
+                <a:solidFill>
+                  <a:srgbClr val="333333"/>
+                </a:solidFill>
+                <a:latin typeface="Times New Roman" panose="02020603050405020304" pitchFamily="18" charset="0"/>
+              </a:rPr>
+              <a:t>. </a:t>
+            </a:r>
+            <a:r>
+              <a:rPr lang="en-US" altLang="ko-KR" sz="1000" dirty="0" err="1">
+                <a:solidFill>
+                  <a:srgbClr val="333333"/>
+                </a:solidFill>
+                <a:latin typeface="Times New Roman" panose="02020603050405020304" pitchFamily="18" charset="0"/>
+              </a:rPr>
+              <a:t>Lecun</a:t>
+            </a:r>
+            <a:r>
+              <a:rPr lang="en-US" altLang="ko-KR" sz="1000" dirty="0">
+                <a:solidFill>
+                  <a:srgbClr val="333333"/>
+                </a:solidFill>
+                <a:latin typeface="Times New Roman" panose="02020603050405020304" pitchFamily="18" charset="0"/>
+              </a:rPr>
+              <a:t>, Y. </a:t>
+            </a:r>
+            <a:r>
+              <a:rPr lang="en-US" altLang="ko-KR" sz="1000" dirty="0" err="1">
+                <a:solidFill>
+                  <a:srgbClr val="333333"/>
+                </a:solidFill>
+                <a:latin typeface="Times New Roman" panose="02020603050405020304" pitchFamily="18" charset="0"/>
+              </a:rPr>
+              <a:t>Bengio</a:t>
+            </a:r>
+            <a:r>
+              <a:rPr lang="en-US" altLang="ko-KR" sz="1000" dirty="0">
+                <a:solidFill>
+                  <a:srgbClr val="333333"/>
+                </a:solidFill>
+                <a:latin typeface="Times New Roman" panose="02020603050405020304" pitchFamily="18" charset="0"/>
+              </a:rPr>
+              <a:t>, and G. Hinton, “Deep learning,” Nature, vol. 521, no. 7553, pp. 436–444, 2015. </a:t>
+            </a:r>
+          </a:p>
+        </p:txBody>
+      </p:sp>
     </p:spTree>
     <p:extLst>
       <p:ext uri="{BB962C8B-B14F-4D97-AF65-F5344CB8AC3E}">
@@ -3583,6 +4301,457 @@
         <p:spPr>
           <a:xfrm>
             <a:off x="0" y="0"/>
+            <a:ext cx="1413164" cy="369332"/>
+          </a:xfrm>
+          <a:prstGeom prst="rect">
+            <a:avLst/>
+          </a:prstGeom>
+          <a:noFill/>
+        </p:spPr>
+        <p:txBody>
+          <a:bodyPr wrap="square" rtlCol="0">
+            <a:spAutoFit/>
+          </a:bodyPr>
+          <a:lstStyle/>
+          <a:p>
+            <a:r>
+              <a:rPr lang="en-US" altLang="ko-KR" dirty="0" smtClean="0"/>
+              <a:t>Motivation</a:t>
+            </a:r>
+            <a:endParaRPr lang="ko-KR" altLang="en-US" dirty="0"/>
+          </a:p>
+        </p:txBody>
+      </p:sp>
+      <p:sp>
+        <p:nvSpPr>
+          <p:cNvPr id="6" name="직사각형 5"/>
+          <p:cNvSpPr/>
+          <p:nvPr/>
+        </p:nvSpPr>
+        <p:spPr>
+          <a:xfrm>
+            <a:off x="997527" y="580836"/>
+            <a:ext cx="9518073" cy="3970318"/>
+          </a:xfrm>
+          <a:prstGeom prst="rect">
+            <a:avLst/>
+          </a:prstGeom>
+        </p:spPr>
+        <p:txBody>
+          <a:bodyPr wrap="square">
+            <a:spAutoFit/>
+          </a:bodyPr>
+          <a:lstStyle/>
+          <a:p>
+            <a:r>
+              <a:rPr lang="ko-KR" altLang="en-US" sz="1200" dirty="0"/>
+              <a:t>인공지능의 한 분야인 기계학습</a:t>
+            </a:r>
+            <a:r>
+              <a:rPr lang="en-US" altLang="ko-KR" sz="1200" dirty="0"/>
+              <a:t>(Machine Learning)</a:t>
+            </a:r>
+            <a:r>
+              <a:rPr lang="ko-KR" altLang="en-US" sz="1200" dirty="0"/>
+              <a:t>은 유한하게 생성되어 있는 결과들을 학습하여 패턴을 찾아내고</a:t>
+            </a:r>
+            <a:r>
+              <a:rPr lang="en-US" altLang="ko-KR" sz="1200" dirty="0"/>
+              <a:t>, </a:t>
+            </a:r>
+            <a:r>
+              <a:rPr lang="ko-KR" altLang="en-US" sz="1200" dirty="0"/>
+              <a:t>새롭게 사용자가 원하는 결과물을 스스로 분석하여 만들어 낼 수 있다</a:t>
+            </a:r>
+            <a:r>
+              <a:rPr lang="en-US" altLang="ko-KR" sz="1200" dirty="0"/>
+              <a:t>. </a:t>
+            </a:r>
+            <a:r>
+              <a:rPr lang="ko-KR" altLang="en-US" sz="1200" dirty="0"/>
+              <a:t>이는 기존 수작업을 통한 설계과정을 기계학습으로 대체 할 수 있음을 의미하며</a:t>
+            </a:r>
+            <a:r>
+              <a:rPr lang="en-US" altLang="ko-KR" sz="1200" dirty="0"/>
+              <a:t>, </a:t>
+            </a:r>
+            <a:r>
+              <a:rPr lang="ko-KR" altLang="en-US" sz="1200" dirty="0"/>
+              <a:t>다양한 응용 분야 중 광학 기술에 융합되어 연구가 많이 이루어지고 있다</a:t>
+            </a:r>
+            <a:r>
+              <a:rPr lang="en-US" altLang="ko-KR" sz="1200" dirty="0"/>
+              <a:t>. </a:t>
+            </a:r>
+            <a:r>
+              <a:rPr lang="ko-KR" altLang="en-US" sz="1200" dirty="0"/>
+              <a:t>기존 광학 구조체 설계는 대부분 반복적인 시행착오 방식으로 여러 종류의 구조에 대한 계산 시도를 통해 최적의 결과를 찾아가는 방법으로 이루어지고 있다</a:t>
+            </a:r>
+            <a:r>
+              <a:rPr lang="en-US" altLang="ko-KR" sz="1200" dirty="0"/>
+              <a:t>. </a:t>
+            </a:r>
+            <a:r>
+              <a:rPr lang="ko-KR" altLang="en-US" sz="1200" dirty="0"/>
+              <a:t>전자기파의 결과를 대략적으로 예상하여 후보 구조를 도출한 뒤</a:t>
+            </a:r>
+            <a:r>
+              <a:rPr lang="en-US" altLang="ko-KR" sz="1200" dirty="0"/>
+              <a:t>, </a:t>
+            </a:r>
+            <a:r>
+              <a:rPr lang="ko-KR" altLang="en-US" sz="1200" dirty="0"/>
+              <a:t>반복된 시뮬레이션을 통해 원하는 물성이 나올 때까지 세부 구조를 변경하는 방식을 사용하고 있다</a:t>
+            </a:r>
+            <a:r>
+              <a:rPr lang="en-US" altLang="ko-KR" sz="1200" dirty="0"/>
+              <a:t>. </a:t>
+            </a:r>
+            <a:r>
+              <a:rPr lang="ko-KR" altLang="en-US" sz="1200" dirty="0"/>
+              <a:t>이러한 반복된 설계 방식은 </a:t>
+            </a:r>
+            <a:r>
+              <a:rPr lang="ko-KR" altLang="en-US" sz="1200" dirty="0" err="1"/>
+              <a:t>기계학습이</a:t>
+            </a:r>
+            <a:r>
+              <a:rPr lang="ko-KR" altLang="en-US" sz="1200" dirty="0"/>
+              <a:t> 적용되기에 매우 적합하다</a:t>
+            </a:r>
+            <a:r>
+              <a:rPr lang="en-US" altLang="ko-KR" sz="1200" dirty="0"/>
+              <a:t>. </a:t>
+            </a:r>
+            <a:r>
+              <a:rPr lang="ko-KR" altLang="en-US" sz="1200" dirty="0"/>
+              <a:t>몇몇 설계 구조를 학습된 데이터로 주어진다면 </a:t>
+            </a:r>
+            <a:r>
+              <a:rPr lang="ko-KR" altLang="en-US" sz="1200" dirty="0" err="1"/>
+              <a:t>기계학습을</a:t>
+            </a:r>
+            <a:r>
+              <a:rPr lang="ko-KR" altLang="en-US" sz="1200" dirty="0"/>
+              <a:t> 통해 원하는 특성을 가지는 광학 구조체를 손쉽게 설계할 수 있을 것이다</a:t>
+            </a:r>
+            <a:r>
+              <a:rPr lang="en-US" altLang="ko-KR" sz="1200" dirty="0"/>
+              <a:t>.</a:t>
+            </a:r>
+          </a:p>
+          <a:p>
+            <a:r>
+              <a:rPr lang="ko-KR" altLang="en-US" sz="1200" dirty="0" err="1"/>
+              <a:t>기계학습을</a:t>
+            </a:r>
+            <a:r>
+              <a:rPr lang="ko-KR" altLang="en-US" sz="1200" dirty="0"/>
+              <a:t> 이용한 광학 소자 </a:t>
+            </a:r>
+            <a:r>
+              <a:rPr lang="ko-KR" altLang="en-US" sz="1200" dirty="0" err="1"/>
+              <a:t>설계방법은</a:t>
+            </a:r>
+            <a:r>
+              <a:rPr lang="ko-KR" altLang="en-US" sz="1200" dirty="0"/>
+              <a:t> 기존 광학 기술의 한계를 극복할 수 있는 메타물질 기반의 광학 소자를 개발하는 것에 있어 필수적일 것이다</a:t>
+            </a:r>
+            <a:r>
+              <a:rPr lang="en-US" altLang="ko-KR" sz="1200" dirty="0"/>
+              <a:t>. </a:t>
+            </a:r>
+            <a:r>
+              <a:rPr lang="ko-KR" altLang="en-US" sz="1200" dirty="0"/>
+              <a:t>메타물질은 자연계에 존재하지 않는 특성을 가지도록 금속이나 유전물질을 이용하여 제작하는 특수 물질이다</a:t>
+            </a:r>
+            <a:r>
+              <a:rPr lang="en-US" altLang="ko-KR" sz="1200" dirty="0"/>
+              <a:t>. </a:t>
+            </a:r>
+            <a:r>
+              <a:rPr lang="ko-KR" altLang="en-US" sz="1200" dirty="0"/>
+              <a:t>이와 같은 물질은 빛의 회절 한계를 뛰어 넘어 집광시키거나</a:t>
+            </a:r>
+            <a:r>
+              <a:rPr lang="en-US" altLang="ko-KR" sz="1200" dirty="0"/>
+              <a:t>, </a:t>
+            </a:r>
+            <a:r>
+              <a:rPr lang="ko-KR" altLang="en-US" sz="1200" dirty="0"/>
+              <a:t>자연계에 존재하지 않는 음의 굴절률을 가지기 때문에 빛이 특이하게 진행하거나</a:t>
+            </a:r>
+            <a:r>
+              <a:rPr lang="en-US" altLang="ko-KR" sz="1200" dirty="0"/>
+              <a:t>, </a:t>
+            </a:r>
+            <a:r>
+              <a:rPr lang="ko-KR" altLang="en-US" sz="1200" dirty="0"/>
+              <a:t>반사 및 흡수의 효율과 대역폭을 다양하게 변화시키는 것이 가능하다</a:t>
+            </a:r>
+            <a:r>
+              <a:rPr lang="en-US" altLang="ko-KR" sz="1200" dirty="0"/>
+              <a:t>. </a:t>
+            </a:r>
+            <a:r>
+              <a:rPr lang="ko-KR" altLang="en-US" sz="1200" dirty="0"/>
+              <a:t>현재 메타물질 구조 설계 방법은 보통 실리콘과 같은 유전물질 기판에 금속 물질을 이용하여 ‘</a:t>
+            </a:r>
+            <a:r>
+              <a:rPr lang="en-US" altLang="ko-KR" sz="1200" dirty="0"/>
+              <a:t>+’, ‘T’, ‘H’, ‘V’</a:t>
+            </a:r>
+            <a:r>
+              <a:rPr lang="ko-KR" altLang="en-US" sz="1200" dirty="0"/>
+              <a:t>와 같은 반복 패턴을 제작하여</a:t>
+            </a:r>
+            <a:r>
+              <a:rPr lang="en-US" altLang="ko-KR" sz="1200" dirty="0"/>
+              <a:t>, </a:t>
+            </a:r>
+            <a:r>
+              <a:rPr lang="ko-KR" altLang="en-US" sz="1200" dirty="0"/>
+              <a:t>구조의 길이</a:t>
+            </a:r>
+            <a:r>
+              <a:rPr lang="en-US" altLang="ko-KR" sz="1200" dirty="0"/>
+              <a:t>, </a:t>
+            </a:r>
+            <a:r>
+              <a:rPr lang="ko-KR" altLang="en-US" sz="1200" dirty="0"/>
+              <a:t>각도</a:t>
+            </a:r>
+            <a:r>
+              <a:rPr lang="en-US" altLang="ko-KR" sz="1200" dirty="0"/>
+              <a:t>, </a:t>
+            </a:r>
+            <a:r>
+              <a:rPr lang="ko-KR" altLang="en-US" sz="1200" dirty="0"/>
+              <a:t>주기 등을 변화시켜 시뮬레이션이나 실험을 통해 최적화된 조건은 찾는 방식이다</a:t>
+            </a:r>
+            <a:r>
+              <a:rPr lang="en-US" altLang="ko-KR" sz="1200" dirty="0"/>
+              <a:t>. </a:t>
+            </a:r>
+            <a:r>
+              <a:rPr lang="ko-KR" altLang="en-US" sz="1200" dirty="0"/>
+              <a:t>시뮬레이션 소요시간은 유한하기 때문에 모든 조합에 대해 확인 할 수 없고</a:t>
+            </a:r>
+            <a:r>
+              <a:rPr lang="en-US" altLang="ko-KR" sz="1200" dirty="0"/>
+              <a:t>, </a:t>
+            </a:r>
+            <a:r>
+              <a:rPr lang="ko-KR" altLang="en-US" sz="1200" dirty="0"/>
+              <a:t>구조 변형의 </a:t>
+            </a:r>
+            <a:r>
+              <a:rPr lang="ko-KR" altLang="en-US" sz="1200" dirty="0" err="1"/>
+              <a:t>자유도도</a:t>
+            </a:r>
+            <a:r>
+              <a:rPr lang="ko-KR" altLang="en-US" sz="1200" dirty="0"/>
+              <a:t> 매우 낮아 원하는 설계 기준에 부합되는 조건을 찾기 어려워 매우 비효율적인 방법이다</a:t>
+            </a:r>
+            <a:r>
+              <a:rPr lang="en-US" altLang="ko-KR" sz="1200" dirty="0"/>
+              <a:t>. </a:t>
+            </a:r>
+            <a:r>
+              <a:rPr lang="ko-KR" altLang="en-US" sz="1200" dirty="0"/>
+              <a:t>하지만</a:t>
+            </a:r>
+            <a:r>
+              <a:rPr lang="en-US" altLang="ko-KR" sz="1200" dirty="0"/>
+              <a:t>, </a:t>
+            </a:r>
+            <a:r>
+              <a:rPr lang="ko-KR" altLang="en-US" sz="1200" dirty="0" err="1"/>
+              <a:t>기계학습을</a:t>
+            </a:r>
+            <a:r>
+              <a:rPr lang="ko-KR" altLang="en-US" sz="1200" dirty="0"/>
+              <a:t> 활용하면 최종 결과물을 얻는데 있어 필요한 조합만을 찾아냄으로써 시뮬레이션 소요시간을 크게 줄이고 효율적으로 최적의 구조를 설계할 수 있다</a:t>
+            </a:r>
+            <a:r>
+              <a:rPr lang="en-US" altLang="ko-KR" sz="1200" dirty="0"/>
+              <a:t>. ‘Light: Science &amp; Applications’ </a:t>
+            </a:r>
+            <a:r>
+              <a:rPr lang="ko-KR" altLang="en-US" sz="1200" dirty="0"/>
+              <a:t>에 게재된 연구에서는 ‘</a:t>
+            </a:r>
+            <a:r>
+              <a:rPr lang="en-US" altLang="ko-KR" sz="1200" dirty="0"/>
+              <a:t>H’ </a:t>
+            </a:r>
+            <a:r>
+              <a:rPr lang="ko-KR" altLang="en-US" sz="1200" dirty="0"/>
+              <a:t>패턴으로 제작된 메타 광학 필터를 </a:t>
+            </a:r>
+            <a:r>
+              <a:rPr lang="ko-KR" altLang="en-US" sz="1200" dirty="0" err="1"/>
+              <a:t>기계학습을</a:t>
+            </a:r>
+            <a:r>
+              <a:rPr lang="ko-KR" altLang="en-US" sz="1200" dirty="0"/>
+              <a:t> 활용하여 설계하였다</a:t>
+            </a:r>
+            <a:r>
+              <a:rPr lang="en-US" altLang="ko-KR" sz="1200" dirty="0"/>
+              <a:t>. </a:t>
+            </a:r>
+            <a:r>
+              <a:rPr lang="ko-KR" altLang="en-US" sz="1200" dirty="0"/>
+              <a:t>여기서는 입사된 빔의 주파수 영역 투과율을 자유롭게 변형</a:t>
+            </a:r>
+            <a:r>
+              <a:rPr lang="en-US" altLang="ko-KR" sz="1200" dirty="0"/>
+              <a:t>, </a:t>
+            </a:r>
+            <a:r>
+              <a:rPr lang="ko-KR" altLang="en-US" sz="1200" dirty="0"/>
+              <a:t>출력 시켜주는 광학 필터이며</a:t>
+            </a:r>
+            <a:r>
+              <a:rPr lang="en-US" altLang="ko-KR" sz="1200" dirty="0"/>
+              <a:t>, </a:t>
+            </a:r>
+            <a:r>
+              <a:rPr lang="ko-KR" altLang="en-US" sz="1200" dirty="0" err="1"/>
+              <a:t>기계학습을</a:t>
+            </a:r>
+            <a:r>
+              <a:rPr lang="ko-KR" altLang="en-US" sz="1200" dirty="0"/>
+              <a:t> 이용하여 ‘</a:t>
+            </a:r>
+            <a:r>
+              <a:rPr lang="en-US" altLang="ko-KR" sz="1200" dirty="0"/>
+              <a:t>H’ </a:t>
+            </a:r>
+            <a:r>
+              <a:rPr lang="ko-KR" altLang="en-US" sz="1200" dirty="0"/>
+              <a:t>패턴의 모양을 수정되도록 제작하였다</a:t>
+            </a:r>
+            <a:r>
+              <a:rPr lang="en-US" altLang="ko-KR" sz="1200" dirty="0"/>
+              <a:t>. </a:t>
+            </a:r>
+            <a:r>
+              <a:rPr lang="ko-KR" altLang="en-US" sz="1200" dirty="0"/>
+              <a:t>이는 광학 소자 설계 연구에 </a:t>
+            </a:r>
+            <a:r>
+              <a:rPr lang="ko-KR" altLang="en-US" sz="1200" dirty="0" err="1"/>
+              <a:t>기계학습이</a:t>
+            </a:r>
+            <a:r>
+              <a:rPr lang="ko-KR" altLang="en-US" sz="1200" dirty="0"/>
+              <a:t> 매우 </a:t>
+            </a:r>
+            <a:r>
+              <a:rPr lang="ko-KR" altLang="en-US" sz="1200" dirty="0" err="1"/>
+              <a:t>효율적임을</a:t>
+            </a:r>
+            <a:r>
+              <a:rPr lang="ko-KR" altLang="en-US" sz="1200" dirty="0"/>
+              <a:t> 보여주었다</a:t>
+            </a:r>
+            <a:r>
+              <a:rPr lang="en-US" altLang="ko-KR" sz="1200" dirty="0"/>
+              <a:t>.</a:t>
+            </a:r>
+          </a:p>
+          <a:p>
+            <a:r>
+              <a:rPr lang="ko-KR" altLang="en-US" sz="1200" dirty="0"/>
+              <a:t>그러므로 상기에서 언급한 바와 같이 </a:t>
+            </a:r>
+            <a:r>
+              <a:rPr lang="ko-KR" altLang="en-US" sz="1200" dirty="0" err="1"/>
+              <a:t>기계학습을</a:t>
+            </a:r>
+            <a:r>
+              <a:rPr lang="ko-KR" altLang="en-US" sz="1200" dirty="0"/>
+              <a:t> 활용한 메타물질 연구는 높은 잠재성과 뛰어난 시장가치를 가지고 있으며</a:t>
+            </a:r>
+            <a:r>
+              <a:rPr lang="en-US" altLang="ko-KR" sz="1200" dirty="0"/>
+              <a:t>, </a:t>
+            </a:r>
+            <a:r>
+              <a:rPr lang="ko-KR" altLang="en-US" sz="1200" dirty="0"/>
+              <a:t>다양한 광학계에 응용 및 적용이 가능하다</a:t>
+            </a:r>
+            <a:r>
+              <a:rPr lang="en-US" altLang="ko-KR" sz="1200" dirty="0"/>
+              <a:t>. </a:t>
+            </a:r>
+            <a:r>
+              <a:rPr lang="ko-KR" altLang="en-US" sz="1200" dirty="0"/>
+              <a:t>특히</a:t>
+            </a:r>
+            <a:r>
+              <a:rPr lang="en-US" altLang="ko-KR" sz="1200" dirty="0"/>
+              <a:t>, </a:t>
+            </a:r>
+            <a:r>
+              <a:rPr lang="ko-KR" altLang="en-US" sz="1200" dirty="0"/>
+              <a:t>원하는 설계를 제작할 수 있는 랜덤 구조의 광 소자 제작 방법은 광학 디바이스 최적화 설계에 매우 중요한 요소로 사용할 수 있을 것이다</a:t>
+            </a:r>
+            <a:r>
+              <a:rPr lang="en-US" altLang="ko-KR" sz="1200" dirty="0"/>
+              <a:t>.</a:t>
+            </a:r>
+          </a:p>
+        </p:txBody>
+      </p:sp>
+    </p:spTree>
+    <p:extLst>
+      <p:ext uri="{BB962C8B-B14F-4D97-AF65-F5344CB8AC3E}">
+        <p14:creationId xmlns:p14="http://schemas.microsoft.com/office/powerpoint/2010/main" val="541456340"/>
+      </p:ext>
+    </p:extLst>
+  </p:cSld>
+  <p:clrMapOvr>
+    <a:masterClrMapping/>
+  </p:clrMapOvr>
+  <p:timing>
+    <p:tnLst>
+      <p:par>
+        <p:cTn id="1" dur="indefinite" restart="never" nodeType="tmRoot"/>
+      </p:par>
+    </p:tnLst>
+  </p:timing>
+</p:sld>
+</file>
+
+<file path=ppt/slides/slide4.xml><?xml version="1.0" encoding="utf-8"?>
+<p:sld xmlns:a="http://schemas.openxmlformats.org/drawingml/2006/main" xmlns:r="http://schemas.openxmlformats.org/officeDocument/2006/relationships" xmlns:p="http://schemas.openxmlformats.org/presentationml/2006/main">
+  <p:cSld>
+    <p:spTree>
+      <p:nvGrpSpPr>
+        <p:cNvPr id="1" name=""/>
+        <p:cNvGrpSpPr/>
+        <p:nvPr/>
+      </p:nvGrpSpPr>
+      <p:grpSpPr>
+        <a:xfrm>
+          <a:off x="0" y="0"/>
+          <a:ext cx="0" cy="0"/>
+          <a:chOff x="0" y="0"/>
+          <a:chExt cx="0" cy="0"/>
+        </a:xfrm>
+      </p:grpSpPr>
+      <p:sp>
+        <p:nvSpPr>
+          <p:cNvPr id="4" name="TextBox 3"/>
+          <p:cNvSpPr txBox="1"/>
+          <p:nvPr/>
+        </p:nvSpPr>
+        <p:spPr>
+          <a:xfrm>
+            <a:off x="0" y="0"/>
             <a:ext cx="2419004" cy="369332"/>
           </a:xfrm>
           <a:prstGeom prst="rect">
@@ -3625,6 +4794,10 @@
           </a:bodyPr>
           <a:lstStyle/>
           <a:p>
+            <a:pPr marL="171450" indent="-171450">
+              <a:buFontTx/>
+              <a:buChar char="-"/>
+            </a:pPr>
             <a:r>
               <a:rPr lang="en-US" altLang="ko-KR" sz="1000" b="0" i="0" u="none" strike="noStrike" dirty="0" smtClean="0">
                 <a:solidFill>
@@ -3633,7 +4806,17 @@
                 <a:effectLst/>
                 <a:latin typeface="Times New Roman" panose="02020603050405020304" pitchFamily="18" charset="0"/>
               </a:rPr>
-              <a:t>I. </a:t>
+              <a:t>I</a:t>
+            </a:r>
+            <a:r>
+              <a:rPr lang="en-US" altLang="ko-KR" sz="1000" b="0" i="0" u="none" strike="noStrike" dirty="0" smtClean="0">
+                <a:solidFill>
+                  <a:srgbClr val="333333"/>
+                </a:solidFill>
+                <a:effectLst/>
+                <a:latin typeface="Times New Roman" panose="02020603050405020304" pitchFamily="18" charset="0"/>
+              </a:rPr>
+              <a:t>. </a:t>
             </a:r>
             <a:r>
               <a:rPr lang="en-US" altLang="ko-KR" sz="1000" b="0" i="0" u="none" strike="noStrike" dirty="0" err="1" smtClean="0">
@@ -3775,12 +4958,12 @@
               </a:rPr>
               <a:t>, vol. 7, no. 1, 2018. </a:t>
             </a:r>
-            <a:endParaRPr lang="en-US" altLang="ko-KR" sz="1000" b="0" i="0" u="none" strike="noStrike" dirty="0">
+            <a:endParaRPr lang="en-US" altLang="ko-KR" sz="1000" b="0" i="0" u="none" strike="noStrike" dirty="0" smtClean="0">
               <a:solidFill>
                 <a:srgbClr val="333333"/>
               </a:solidFill>
               <a:effectLst/>
-              <a:latin typeface="&amp;quot"/>
+              <a:latin typeface="Times New Roman" panose="02020603050405020304" pitchFamily="18" charset="0"/>
             </a:endParaRPr>
           </a:p>
         </p:txBody>
@@ -3970,7 +5153,7 @@
         <p:spPr>
           <a:xfrm>
             <a:off x="90093" y="2088368"/>
-            <a:ext cx="10924271" cy="246221"/>
+            <a:ext cx="11040649" cy="246221"/>
           </a:xfrm>
           <a:prstGeom prst="rect">
             <a:avLst/>
@@ -3982,6 +5165,10 @@
           </a:bodyPr>
           <a:lstStyle/>
           <a:p>
+            <a:pPr marL="171450" indent="-171450">
+              <a:buFontTx/>
+              <a:buChar char="-"/>
+            </a:pPr>
             <a:r>
               <a:rPr lang="en-US" altLang="ko-KR" sz="1000" b="0" i="0" u="none" strike="noStrike" dirty="0" smtClean="0">
                 <a:solidFill>
@@ -3990,7 +5177,17 @@
                 <a:effectLst/>
                 <a:latin typeface="Times New Roman" panose="02020603050405020304" pitchFamily="18" charset="0"/>
               </a:rPr>
-              <a:t>M. H. </a:t>
+              <a:t>M</a:t>
+            </a:r>
+            <a:r>
+              <a:rPr lang="en-US" altLang="ko-KR" sz="1000" b="0" i="0" u="none" strike="noStrike" dirty="0" smtClean="0">
+                <a:solidFill>
+                  <a:srgbClr val="333333"/>
+                </a:solidFill>
+                <a:effectLst/>
+                <a:latin typeface="Times New Roman" panose="02020603050405020304" pitchFamily="18" charset="0"/>
+              </a:rPr>
+              <a:t>. H. </a:t>
             </a:r>
             <a:r>
               <a:rPr lang="en-US" altLang="ko-KR" sz="1000" b="0" i="0" u="none" strike="noStrike" dirty="0" err="1" smtClean="0">
@@ -4072,7 +5269,123 @@
               </a:rPr>
               <a:t>, vol. 9, no. 1, 2019. </a:t>
             </a:r>
-            <a:endParaRPr lang="en-US" altLang="ko-KR" sz="1000" b="0" i="0" u="none" strike="noStrike" dirty="0">
+            <a:endParaRPr lang="en-US" altLang="ko-KR" sz="1000" b="0" i="0" u="none" strike="noStrike" dirty="0" smtClean="0">
+              <a:solidFill>
+                <a:srgbClr val="333333"/>
+              </a:solidFill>
+              <a:effectLst/>
+              <a:latin typeface="Times New Roman" panose="02020603050405020304" pitchFamily="18" charset="0"/>
+            </a:endParaRPr>
+          </a:p>
+        </p:txBody>
+      </p:sp>
+    </p:spTree>
+    <p:extLst>
+      <p:ext uri="{BB962C8B-B14F-4D97-AF65-F5344CB8AC3E}">
+        <p14:creationId xmlns:p14="http://schemas.microsoft.com/office/powerpoint/2010/main" val="2614617828"/>
+      </p:ext>
+    </p:extLst>
+  </p:cSld>
+  <p:clrMapOvr>
+    <a:masterClrMapping/>
+  </p:clrMapOvr>
+  <p:timing>
+    <p:tnLst>
+      <p:par>
+        <p:cTn id="1" dur="indefinite" restart="never" nodeType="tmRoot"/>
+      </p:par>
+    </p:tnLst>
+  </p:timing>
+</p:sld>
+</file>
+
+<file path=ppt/slides/slide5.xml><?xml version="1.0" encoding="utf-8"?>
+<p:sld xmlns:a="http://schemas.openxmlformats.org/drawingml/2006/main" xmlns:r="http://schemas.openxmlformats.org/officeDocument/2006/relationships" xmlns:p="http://schemas.openxmlformats.org/presentationml/2006/main">
+  <p:cSld>
+    <p:spTree>
+      <p:nvGrpSpPr>
+        <p:cNvPr id="1" name=""/>
+        <p:cNvGrpSpPr/>
+        <p:nvPr/>
+      </p:nvGrpSpPr>
+      <p:grpSpPr>
+        <a:xfrm>
+          <a:off x="0" y="0"/>
+          <a:ext cx="0" cy="0"/>
+          <a:chOff x="0" y="0"/>
+          <a:chExt cx="0" cy="0"/>
+        </a:xfrm>
+      </p:grpSpPr>
+      <p:sp>
+        <p:nvSpPr>
+          <p:cNvPr id="4" name="TextBox 3"/>
+          <p:cNvSpPr txBox="1"/>
+          <p:nvPr/>
+        </p:nvSpPr>
+        <p:spPr>
+          <a:xfrm>
+            <a:off x="0" y="0"/>
+            <a:ext cx="2419004" cy="369332"/>
+          </a:xfrm>
+          <a:prstGeom prst="rect">
+            <a:avLst/>
+          </a:prstGeom>
+          <a:noFill/>
+        </p:spPr>
+        <p:txBody>
+          <a:bodyPr wrap="square" rtlCol="0">
+            <a:spAutoFit/>
+          </a:bodyPr>
+          <a:lstStyle/>
+          <a:p>
+            <a:r>
+              <a:rPr lang="ko-KR" altLang="en-US" dirty="0" smtClean="0"/>
+              <a:t>나노 소자 설계 방법</a:t>
+            </a:r>
+            <a:endParaRPr lang="ko-KR" altLang="en-US" dirty="0"/>
+          </a:p>
+        </p:txBody>
+      </p:sp>
+      <p:sp>
+        <p:nvSpPr>
+          <p:cNvPr id="9" name="직사각형 8"/>
+          <p:cNvSpPr/>
+          <p:nvPr/>
+        </p:nvSpPr>
+        <p:spPr>
+          <a:xfrm>
+            <a:off x="-1" y="566453"/>
+            <a:ext cx="1604357" cy="276999"/>
+          </a:xfrm>
+          <a:prstGeom prst="rect">
+            <a:avLst/>
+          </a:prstGeom>
+        </p:spPr>
+        <p:txBody>
+          <a:bodyPr wrap="square">
+            <a:spAutoFit/>
+          </a:bodyPr>
+          <a:lstStyle/>
+          <a:p>
+            <a:r>
+              <a:rPr lang="ko-KR" altLang="en-US" sz="1200" dirty="0" smtClean="0">
+                <a:solidFill>
+                  <a:srgbClr val="333333"/>
+                </a:solidFill>
+                <a:latin typeface="Times New Roman" panose="02020603050405020304" pitchFamily="18" charset="0"/>
+              </a:rPr>
+              <a:t>선행 연구 </a:t>
+            </a:r>
+            <a:r>
+              <a:rPr lang="en-US" altLang="ko-KR" sz="1200" dirty="0" smtClean="0">
+                <a:solidFill>
+                  <a:srgbClr val="333333"/>
+                </a:solidFill>
+                <a:latin typeface="Times New Roman" panose="02020603050405020304" pitchFamily="18" charset="0"/>
+              </a:rPr>
+              <a:t>reference</a:t>
+            </a:r>
+            <a:endParaRPr lang="en-US" altLang="ko-KR" sz="1200" b="0" i="0" u="none" strike="noStrike" dirty="0">
               <a:solidFill>
                 <a:srgbClr val="333333"/>
               </a:solidFill>
@@ -4082,10 +5395,1292 @@
           </a:p>
         </p:txBody>
       </p:sp>
+      <p:sp>
+        <p:nvSpPr>
+          <p:cNvPr id="12" name="직사각형 11"/>
+          <p:cNvSpPr/>
+          <p:nvPr/>
+        </p:nvSpPr>
+        <p:spPr>
+          <a:xfrm>
+            <a:off x="214783" y="843452"/>
+            <a:ext cx="11122701" cy="4093428"/>
+          </a:xfrm>
+          <a:prstGeom prst="rect">
+            <a:avLst/>
+          </a:prstGeom>
+        </p:spPr>
+        <p:txBody>
+          <a:bodyPr wrap="square">
+            <a:spAutoFit/>
+          </a:bodyPr>
+          <a:lstStyle/>
+          <a:p>
+            <a:r>
+              <a:rPr lang="en-US" altLang="ko-KR" sz="1000" u="sng" dirty="0" smtClean="0">
+                <a:solidFill>
+                  <a:srgbClr val="333333"/>
+                </a:solidFill>
+                <a:latin typeface="Times New Roman" panose="02020603050405020304" pitchFamily="18" charset="0"/>
+              </a:rPr>
+              <a:t>Machine Learning (ADMM) Inverse Design</a:t>
+            </a:r>
+          </a:p>
+          <a:p>
+            <a:pPr marL="171450" indent="-171450">
+              <a:buFontTx/>
+              <a:buChar char="-"/>
+            </a:pPr>
+            <a:r>
+              <a:rPr lang="en-US" altLang="ko-KR" sz="1000" dirty="0" smtClean="0">
+                <a:solidFill>
+                  <a:srgbClr val="333333"/>
+                </a:solidFill>
+                <a:latin typeface="Times New Roman" panose="02020603050405020304" pitchFamily="18" charset="0"/>
+              </a:rPr>
+              <a:t>A</a:t>
+            </a:r>
+            <a:r>
+              <a:rPr lang="en-US" altLang="ko-KR" sz="1000" dirty="0">
+                <a:solidFill>
+                  <a:srgbClr val="333333"/>
+                </a:solidFill>
+                <a:latin typeface="Times New Roman" panose="02020603050405020304" pitchFamily="18" charset="0"/>
+              </a:rPr>
+              <a:t>. Y. Piggott, J. Lu, K. G. </a:t>
+            </a:r>
+            <a:r>
+              <a:rPr lang="en-US" altLang="ko-KR" sz="1000" dirty="0" err="1">
+                <a:solidFill>
+                  <a:srgbClr val="333333"/>
+                </a:solidFill>
+                <a:latin typeface="Times New Roman" panose="02020603050405020304" pitchFamily="18" charset="0"/>
+              </a:rPr>
+              <a:t>Lagoudakis</a:t>
+            </a:r>
+            <a:r>
+              <a:rPr lang="en-US" altLang="ko-KR" sz="1000" dirty="0">
+                <a:solidFill>
+                  <a:srgbClr val="333333"/>
+                </a:solidFill>
+                <a:latin typeface="Times New Roman" panose="02020603050405020304" pitchFamily="18" charset="0"/>
+              </a:rPr>
+              <a:t>, J. </a:t>
+            </a:r>
+            <a:r>
+              <a:rPr lang="en-US" altLang="ko-KR" sz="1000" dirty="0" err="1">
+                <a:solidFill>
+                  <a:srgbClr val="333333"/>
+                </a:solidFill>
+                <a:latin typeface="Times New Roman" panose="02020603050405020304" pitchFamily="18" charset="0"/>
+              </a:rPr>
+              <a:t>Petykiewicz</a:t>
+            </a:r>
+            <a:r>
+              <a:rPr lang="en-US" altLang="ko-KR" sz="1000" dirty="0">
+                <a:solidFill>
+                  <a:srgbClr val="333333"/>
+                </a:solidFill>
+                <a:latin typeface="Times New Roman" panose="02020603050405020304" pitchFamily="18" charset="0"/>
+              </a:rPr>
+              <a:t>, T. M. </a:t>
+            </a:r>
+            <a:r>
+              <a:rPr lang="en-US" altLang="ko-KR" sz="1000" dirty="0" err="1">
+                <a:solidFill>
+                  <a:srgbClr val="333333"/>
+                </a:solidFill>
+                <a:latin typeface="Times New Roman" panose="02020603050405020304" pitchFamily="18" charset="0"/>
+              </a:rPr>
+              <a:t>Babinec</a:t>
+            </a:r>
+            <a:r>
+              <a:rPr lang="en-US" altLang="ko-KR" sz="1000" dirty="0">
+                <a:solidFill>
+                  <a:srgbClr val="333333"/>
+                </a:solidFill>
+                <a:latin typeface="Times New Roman" panose="02020603050405020304" pitchFamily="18" charset="0"/>
+              </a:rPr>
+              <a:t>, and J. </a:t>
+            </a:r>
+            <a:r>
+              <a:rPr lang="en-US" altLang="ko-KR" sz="1000" dirty="0" err="1">
+                <a:solidFill>
+                  <a:srgbClr val="333333"/>
+                </a:solidFill>
+                <a:latin typeface="Times New Roman" panose="02020603050405020304" pitchFamily="18" charset="0"/>
+              </a:rPr>
+              <a:t>Vučković</a:t>
+            </a:r>
+            <a:r>
+              <a:rPr lang="en-US" altLang="ko-KR" sz="1000" dirty="0">
+                <a:solidFill>
+                  <a:srgbClr val="333333"/>
+                </a:solidFill>
+                <a:latin typeface="Times New Roman" panose="02020603050405020304" pitchFamily="18" charset="0"/>
+              </a:rPr>
+              <a:t>, “Inverse design and demonstration of a compact and broadband on-chip wavelength </a:t>
+            </a:r>
+            <a:r>
+              <a:rPr lang="en-US" altLang="ko-KR" sz="1000" dirty="0" err="1">
+                <a:solidFill>
+                  <a:srgbClr val="333333"/>
+                </a:solidFill>
+                <a:latin typeface="Times New Roman" panose="02020603050405020304" pitchFamily="18" charset="0"/>
+              </a:rPr>
+              <a:t>demultiplexer</a:t>
+            </a:r>
+            <a:r>
+              <a:rPr lang="en-US" altLang="ko-KR" sz="1000" dirty="0">
+                <a:solidFill>
+                  <a:srgbClr val="333333"/>
+                </a:solidFill>
+                <a:latin typeface="Times New Roman" panose="02020603050405020304" pitchFamily="18" charset="0"/>
+              </a:rPr>
+              <a:t>,” Nature Photonics, vol. 9, no. 6, pp. 374–377, 2015. </a:t>
+            </a:r>
+            <a:endParaRPr lang="en-US" altLang="ko-KR" sz="1000" dirty="0" smtClean="0">
+              <a:solidFill>
+                <a:srgbClr val="333333"/>
+              </a:solidFill>
+              <a:latin typeface="Times New Roman" panose="02020603050405020304" pitchFamily="18" charset="0"/>
+            </a:endParaRPr>
+          </a:p>
+          <a:p>
+            <a:r>
+              <a:rPr lang="en-US" altLang="ko-KR" sz="1000" u="sng" dirty="0" smtClean="0">
+                <a:solidFill>
+                  <a:srgbClr val="333333"/>
+                </a:solidFill>
+                <a:latin typeface="Times New Roman" panose="02020603050405020304" pitchFamily="18" charset="0"/>
+              </a:rPr>
+              <a:t>DBS</a:t>
+            </a:r>
+          </a:p>
+          <a:p>
+            <a:pPr marL="171450" indent="-171450">
+              <a:buFontTx/>
+              <a:buChar char="-"/>
+            </a:pPr>
+            <a:r>
+              <a:rPr lang="en-US" altLang="ko-KR" sz="1000" dirty="0" smtClean="0">
+                <a:solidFill>
+                  <a:srgbClr val="333333"/>
+                </a:solidFill>
+                <a:latin typeface="Times New Roman" panose="02020603050405020304" pitchFamily="18" charset="0"/>
+              </a:rPr>
+              <a:t>L</a:t>
+            </a:r>
+            <a:r>
+              <a:rPr lang="en-US" altLang="ko-KR" sz="1000" dirty="0">
+                <a:solidFill>
+                  <a:srgbClr val="333333"/>
+                </a:solidFill>
+                <a:latin typeface="Times New Roman" panose="02020603050405020304" pitchFamily="18" charset="0"/>
+              </a:rPr>
+              <a:t>. Lu, M. Zhang, F. Zhou, and D. Liu, “An Ultra-compact Colorless 50:50 Coupler Based on </a:t>
+            </a:r>
+            <a:r>
+              <a:rPr lang="en-US" altLang="ko-KR" sz="1000" dirty="0" err="1">
+                <a:solidFill>
+                  <a:srgbClr val="333333"/>
+                </a:solidFill>
+                <a:latin typeface="Times New Roman" panose="02020603050405020304" pitchFamily="18" charset="0"/>
+              </a:rPr>
+              <a:t>PhC</a:t>
+            </a:r>
+            <a:r>
+              <a:rPr lang="en-US" altLang="ko-KR" sz="1000" dirty="0">
+                <a:solidFill>
+                  <a:srgbClr val="333333"/>
+                </a:solidFill>
+                <a:latin typeface="Times New Roman" panose="02020603050405020304" pitchFamily="18" charset="0"/>
+              </a:rPr>
+              <a:t>-like Metamaterial Structure,” Optical Fiber Communication Conference, 2016. </a:t>
+            </a:r>
+            <a:endParaRPr lang="en-US" altLang="ko-KR" sz="1000" dirty="0" smtClean="0">
+              <a:solidFill>
+                <a:srgbClr val="333333"/>
+              </a:solidFill>
+              <a:latin typeface="Times New Roman" panose="02020603050405020304" pitchFamily="18" charset="0"/>
+            </a:endParaRPr>
+          </a:p>
+          <a:p>
+            <a:r>
+              <a:rPr lang="en-US" altLang="ko-KR" sz="1000" u="sng" dirty="0" smtClean="0">
+                <a:solidFill>
+                  <a:srgbClr val="333333"/>
+                </a:solidFill>
+                <a:latin typeface="Times New Roman" panose="02020603050405020304" pitchFamily="18" charset="0"/>
+              </a:rPr>
+              <a:t>Bayesian Optimization</a:t>
+            </a:r>
+          </a:p>
+          <a:p>
+            <a:pPr marL="171450" indent="-171450">
+              <a:buFontTx/>
+              <a:buChar char="-"/>
+            </a:pPr>
+            <a:r>
+              <a:rPr lang="en-US" altLang="ko-KR" sz="1000" dirty="0" smtClean="0">
+                <a:solidFill>
+                  <a:srgbClr val="333333"/>
+                </a:solidFill>
+                <a:latin typeface="Times New Roman" panose="02020603050405020304" pitchFamily="18" charset="0"/>
+              </a:rPr>
+              <a:t>S</a:t>
+            </a:r>
+            <a:r>
+              <a:rPr lang="en-US" altLang="ko-KR" sz="1000" dirty="0">
+                <a:solidFill>
+                  <a:srgbClr val="333333"/>
+                </a:solidFill>
+                <a:latin typeface="Times New Roman" panose="02020603050405020304" pitchFamily="18" charset="0"/>
+              </a:rPr>
+              <a:t>. </a:t>
+            </a:r>
+            <a:r>
+              <a:rPr lang="en-US" altLang="ko-KR" sz="1000" dirty="0" err="1">
+                <a:solidFill>
+                  <a:srgbClr val="333333"/>
+                </a:solidFill>
+                <a:latin typeface="Times New Roman" panose="02020603050405020304" pitchFamily="18" charset="0"/>
+              </a:rPr>
+              <a:t>Ju</a:t>
+            </a:r>
+            <a:r>
+              <a:rPr lang="en-US" altLang="ko-KR" sz="1000" dirty="0">
+                <a:solidFill>
+                  <a:srgbClr val="333333"/>
+                </a:solidFill>
+                <a:latin typeface="Times New Roman" panose="02020603050405020304" pitchFamily="18" charset="0"/>
+              </a:rPr>
+              <a:t>, T. Shiga, L. Feng, Z. </a:t>
+            </a:r>
+            <a:r>
+              <a:rPr lang="en-US" altLang="ko-KR" sz="1000" dirty="0" err="1">
+                <a:solidFill>
+                  <a:srgbClr val="333333"/>
+                </a:solidFill>
+                <a:latin typeface="Times New Roman" panose="02020603050405020304" pitchFamily="18" charset="0"/>
+              </a:rPr>
+              <a:t>Hou</a:t>
+            </a:r>
+            <a:r>
+              <a:rPr lang="en-US" altLang="ko-KR" sz="1000" dirty="0">
+                <a:solidFill>
+                  <a:srgbClr val="333333"/>
+                </a:solidFill>
+                <a:latin typeface="Times New Roman" panose="02020603050405020304" pitchFamily="18" charset="0"/>
+              </a:rPr>
+              <a:t>, K. </a:t>
+            </a:r>
+            <a:r>
+              <a:rPr lang="en-US" altLang="ko-KR" sz="1000" dirty="0" err="1">
+                <a:solidFill>
+                  <a:srgbClr val="333333"/>
+                </a:solidFill>
+                <a:latin typeface="Times New Roman" panose="02020603050405020304" pitchFamily="18" charset="0"/>
+              </a:rPr>
+              <a:t>Tsuda</a:t>
+            </a:r>
+            <a:r>
+              <a:rPr lang="en-US" altLang="ko-KR" sz="1000" dirty="0">
+                <a:solidFill>
+                  <a:srgbClr val="333333"/>
+                </a:solidFill>
+                <a:latin typeface="Times New Roman" panose="02020603050405020304" pitchFamily="18" charset="0"/>
+              </a:rPr>
+              <a:t>, and J. </a:t>
+            </a:r>
+            <a:r>
+              <a:rPr lang="en-US" altLang="ko-KR" sz="1000" dirty="0" err="1">
+                <a:solidFill>
+                  <a:srgbClr val="333333"/>
+                </a:solidFill>
+                <a:latin typeface="Times New Roman" panose="02020603050405020304" pitchFamily="18" charset="0"/>
+              </a:rPr>
+              <a:t>Shiomi</a:t>
+            </a:r>
+            <a:r>
+              <a:rPr lang="en-US" altLang="ko-KR" sz="1000" dirty="0">
+                <a:solidFill>
+                  <a:srgbClr val="333333"/>
+                </a:solidFill>
+                <a:latin typeface="Times New Roman" panose="02020603050405020304" pitchFamily="18" charset="0"/>
+              </a:rPr>
+              <a:t>, “Designing Nanostructures for Phonon Transport via Bayesian Optimization,” Physical Review X, vol. 7, no. 2, 2017. </a:t>
+            </a:r>
+            <a:endParaRPr lang="en-US" altLang="ko-KR" sz="1000" dirty="0" smtClean="0">
+              <a:solidFill>
+                <a:srgbClr val="333333"/>
+              </a:solidFill>
+              <a:latin typeface="Times New Roman" panose="02020603050405020304" pitchFamily="18" charset="0"/>
+            </a:endParaRPr>
+          </a:p>
+          <a:p>
+            <a:r>
+              <a:rPr lang="en-US" altLang="ko-KR" sz="1000" u="sng" dirty="0" smtClean="0">
+                <a:solidFill>
+                  <a:srgbClr val="333333"/>
+                </a:solidFill>
+                <a:latin typeface="Times New Roman" panose="02020603050405020304" pitchFamily="18" charset="0"/>
+              </a:rPr>
+              <a:t>Genetic Algorithm</a:t>
+            </a:r>
+          </a:p>
+          <a:p>
+            <a:pPr marL="171450" indent="-171450">
+              <a:buFontTx/>
+              <a:buChar char="-"/>
+            </a:pPr>
+            <a:r>
+              <a:rPr lang="en-US" altLang="ko-KR" sz="1000" dirty="0" smtClean="0">
+                <a:solidFill>
+                  <a:srgbClr val="333333"/>
+                </a:solidFill>
+                <a:latin typeface="Times New Roman" panose="02020603050405020304" pitchFamily="18" charset="0"/>
+              </a:rPr>
+              <a:t>Z</a:t>
+            </a:r>
+            <a:r>
+              <a:rPr lang="en-US" altLang="ko-KR" sz="1000" dirty="0">
+                <a:solidFill>
+                  <a:srgbClr val="333333"/>
+                </a:solidFill>
+                <a:latin typeface="Times New Roman" panose="02020603050405020304" pitchFamily="18" charset="0"/>
+              </a:rPr>
+              <a:t>. Yu, H. Cui, and X. Sun, “Genetically optimized on-chip wideband </a:t>
+            </a:r>
+            <a:r>
+              <a:rPr lang="en-US" altLang="ko-KR" sz="1000" dirty="0" err="1">
+                <a:solidFill>
+                  <a:srgbClr val="333333"/>
+                </a:solidFill>
+                <a:latin typeface="Times New Roman" panose="02020603050405020304" pitchFamily="18" charset="0"/>
+              </a:rPr>
+              <a:t>ultracompact</a:t>
+            </a:r>
+            <a:r>
+              <a:rPr lang="en-US" altLang="ko-KR" sz="1000" dirty="0">
+                <a:solidFill>
+                  <a:srgbClr val="333333"/>
+                </a:solidFill>
+                <a:latin typeface="Times New Roman" panose="02020603050405020304" pitchFamily="18" charset="0"/>
+              </a:rPr>
+              <a:t> reflectors and </a:t>
+            </a:r>
+            <a:r>
+              <a:rPr lang="en-US" altLang="ko-KR" sz="1000" dirty="0" err="1">
+                <a:solidFill>
+                  <a:srgbClr val="333333"/>
+                </a:solidFill>
+                <a:latin typeface="Times New Roman" panose="02020603050405020304" pitchFamily="18" charset="0"/>
+              </a:rPr>
+              <a:t>Fabry</a:t>
+            </a:r>
+            <a:r>
+              <a:rPr lang="en-US" altLang="ko-KR" sz="1000" dirty="0">
+                <a:solidFill>
+                  <a:srgbClr val="333333"/>
+                </a:solidFill>
+                <a:latin typeface="Times New Roman" panose="02020603050405020304" pitchFamily="18" charset="0"/>
+              </a:rPr>
+              <a:t>–</a:t>
+            </a:r>
+            <a:r>
+              <a:rPr lang="en-US" altLang="ko-KR" sz="1000" dirty="0" err="1">
+                <a:solidFill>
+                  <a:srgbClr val="333333"/>
+                </a:solidFill>
+                <a:latin typeface="Times New Roman" panose="02020603050405020304" pitchFamily="18" charset="0"/>
+              </a:rPr>
+              <a:t>Pérot</a:t>
+            </a:r>
+            <a:r>
+              <a:rPr lang="en-US" altLang="ko-KR" sz="1000" dirty="0">
+                <a:solidFill>
+                  <a:srgbClr val="333333"/>
+                </a:solidFill>
+                <a:latin typeface="Times New Roman" panose="02020603050405020304" pitchFamily="18" charset="0"/>
+              </a:rPr>
+              <a:t> cavities,” Conference on Lasers and Electro-Optics, 2018. </a:t>
+            </a:r>
+            <a:endParaRPr lang="en-US" altLang="ko-KR" sz="1000" dirty="0" smtClean="0">
+              <a:solidFill>
+                <a:srgbClr val="333333"/>
+              </a:solidFill>
+              <a:latin typeface="Times New Roman" panose="02020603050405020304" pitchFamily="18" charset="0"/>
+            </a:endParaRPr>
+          </a:p>
+          <a:p>
+            <a:r>
+              <a:rPr lang="en-US" altLang="ko-KR" sz="1000" u="sng" dirty="0" err="1" smtClean="0">
+                <a:solidFill>
+                  <a:srgbClr val="333333"/>
+                </a:solidFill>
+                <a:latin typeface="Times New Roman" panose="02020603050405020304" pitchFamily="18" charset="0"/>
+              </a:rPr>
+              <a:t>Nonuniqueness</a:t>
+            </a:r>
+            <a:r>
+              <a:rPr lang="en-US" altLang="ko-KR" sz="1000" u="sng" dirty="0" smtClean="0">
+                <a:solidFill>
+                  <a:srgbClr val="333333"/>
+                </a:solidFill>
+                <a:latin typeface="Times New Roman" panose="02020603050405020304" pitchFamily="18" charset="0"/>
+              </a:rPr>
+              <a:t> </a:t>
+            </a:r>
+            <a:r>
+              <a:rPr lang="en-US" altLang="ko-KR" sz="1000" u="sng" dirty="0" smtClean="0">
+                <a:solidFill>
+                  <a:srgbClr val="333333"/>
+                </a:solidFill>
+                <a:latin typeface="Times New Roman" panose="02020603050405020304" pitchFamily="18" charset="0"/>
+              </a:rPr>
+              <a:t>inverse design</a:t>
+            </a:r>
+          </a:p>
+          <a:p>
+            <a:pPr marL="171450" indent="-171450">
+              <a:buFontTx/>
+              <a:buChar char="-"/>
+            </a:pPr>
+            <a:r>
+              <a:rPr lang="en-US" altLang="ko-KR" sz="1000" dirty="0" smtClean="0">
+                <a:solidFill>
+                  <a:srgbClr val="333333"/>
+                </a:solidFill>
+                <a:latin typeface="Times New Roman" panose="02020603050405020304" pitchFamily="18" charset="0"/>
+              </a:rPr>
+              <a:t>D</a:t>
+            </a:r>
+            <a:r>
+              <a:rPr lang="en-US" altLang="ko-KR" sz="1000" dirty="0">
+                <a:solidFill>
+                  <a:srgbClr val="333333"/>
+                </a:solidFill>
+                <a:latin typeface="Times New Roman" panose="02020603050405020304" pitchFamily="18" charset="0"/>
+              </a:rPr>
+              <a:t>. Liu, Y. Tan, E. </a:t>
+            </a:r>
+            <a:r>
+              <a:rPr lang="en-US" altLang="ko-KR" sz="1000" dirty="0" err="1">
+                <a:solidFill>
+                  <a:srgbClr val="333333"/>
+                </a:solidFill>
+                <a:latin typeface="Times New Roman" panose="02020603050405020304" pitchFamily="18" charset="0"/>
+              </a:rPr>
+              <a:t>Khoram</a:t>
+            </a:r>
+            <a:r>
+              <a:rPr lang="en-US" altLang="ko-KR" sz="1000" dirty="0">
+                <a:solidFill>
+                  <a:srgbClr val="333333"/>
+                </a:solidFill>
+                <a:latin typeface="Times New Roman" panose="02020603050405020304" pitchFamily="18" charset="0"/>
+              </a:rPr>
+              <a:t>, and Z. Yu, “Training deep neural networks for the inverse design of </a:t>
+            </a:r>
+            <a:r>
+              <a:rPr lang="en-US" altLang="ko-KR" sz="1000" dirty="0" err="1">
+                <a:solidFill>
+                  <a:srgbClr val="333333"/>
+                </a:solidFill>
+                <a:latin typeface="Times New Roman" panose="02020603050405020304" pitchFamily="18" charset="0"/>
+              </a:rPr>
+              <a:t>nanophotonic</a:t>
+            </a:r>
+            <a:r>
+              <a:rPr lang="en-US" altLang="ko-KR" sz="1000" dirty="0">
+                <a:solidFill>
+                  <a:srgbClr val="333333"/>
+                </a:solidFill>
+                <a:latin typeface="Times New Roman" panose="02020603050405020304" pitchFamily="18" charset="0"/>
+              </a:rPr>
+              <a:t> structures,” ACS Photonics, vol. 5, 2018. </a:t>
+            </a:r>
+            <a:endParaRPr lang="en-US" altLang="ko-KR" sz="1000" dirty="0" smtClean="0">
+              <a:solidFill>
+                <a:srgbClr val="333333"/>
+              </a:solidFill>
+              <a:latin typeface="Times New Roman" panose="02020603050405020304" pitchFamily="18" charset="0"/>
+            </a:endParaRPr>
+          </a:p>
+          <a:p>
+            <a:r>
+              <a:rPr lang="en-US" altLang="ko-KR" sz="1000" u="sng" dirty="0" smtClean="0">
+                <a:solidFill>
+                  <a:srgbClr val="333333"/>
+                </a:solidFill>
+                <a:latin typeface="Times New Roman" panose="02020603050405020304" pitchFamily="18" charset="0"/>
+              </a:rPr>
+              <a:t>MLP L-BFGS Photonic Crystals</a:t>
+            </a:r>
+          </a:p>
+          <a:p>
+            <a:pPr marL="171450" indent="-171450">
+              <a:buFontTx/>
+              <a:buChar char="-"/>
+            </a:pPr>
+            <a:r>
+              <a:rPr lang="en-US" altLang="ko-KR" sz="1000" dirty="0" smtClean="0">
+                <a:solidFill>
+                  <a:srgbClr val="333333"/>
+                </a:solidFill>
+                <a:latin typeface="Times New Roman" panose="02020603050405020304" pitchFamily="18" charset="0"/>
+              </a:rPr>
+              <a:t>A</a:t>
+            </a:r>
+            <a:r>
+              <a:rPr lang="en-US" altLang="ko-KR" sz="1000" dirty="0">
+                <a:solidFill>
+                  <a:srgbClr val="333333"/>
+                </a:solidFill>
+                <a:latin typeface="Times New Roman" panose="02020603050405020304" pitchFamily="18" charset="0"/>
+              </a:rPr>
+              <a:t>. D. S. Ferreira, G. N. M. </a:t>
+            </a:r>
+            <a:r>
+              <a:rPr lang="en-US" altLang="ko-KR" sz="1000" dirty="0" err="1">
+                <a:solidFill>
+                  <a:srgbClr val="333333"/>
+                </a:solidFill>
+                <a:latin typeface="Times New Roman" panose="02020603050405020304" pitchFamily="18" charset="0"/>
+              </a:rPr>
+              <a:t>Silveira</a:t>
+            </a:r>
+            <a:r>
+              <a:rPr lang="en-US" altLang="ko-KR" sz="1000" dirty="0">
+                <a:solidFill>
+                  <a:srgbClr val="333333"/>
+                </a:solidFill>
+                <a:latin typeface="Times New Roman" panose="02020603050405020304" pitchFamily="18" charset="0"/>
+              </a:rPr>
+              <a:t>, and H. E. H. Figueroa, “Multilayer Perceptron Models for Band Diagram Prediction in bi-dimensional Photonic Crystals,” 2018 </a:t>
+            </a:r>
+            <a:r>
+              <a:rPr lang="en-US" altLang="ko-KR" sz="1000" dirty="0" err="1">
+                <a:solidFill>
+                  <a:srgbClr val="333333"/>
+                </a:solidFill>
+                <a:latin typeface="Times New Roman" panose="02020603050405020304" pitchFamily="18" charset="0"/>
+              </a:rPr>
+              <a:t>SBFoton</a:t>
+            </a:r>
+            <a:r>
+              <a:rPr lang="en-US" altLang="ko-KR" sz="1000" dirty="0">
+                <a:solidFill>
+                  <a:srgbClr val="333333"/>
+                </a:solidFill>
+                <a:latin typeface="Times New Roman" panose="02020603050405020304" pitchFamily="18" charset="0"/>
+              </a:rPr>
+              <a:t> International Optics and Photonics Conference (</a:t>
+            </a:r>
+            <a:r>
+              <a:rPr lang="en-US" altLang="ko-KR" sz="1000" dirty="0" err="1">
+                <a:solidFill>
+                  <a:srgbClr val="333333"/>
+                </a:solidFill>
+                <a:latin typeface="Times New Roman" panose="02020603050405020304" pitchFamily="18" charset="0"/>
+              </a:rPr>
+              <a:t>SBFoton</a:t>
+            </a:r>
+            <a:r>
+              <a:rPr lang="en-US" altLang="ko-KR" sz="1000" dirty="0">
+                <a:solidFill>
+                  <a:srgbClr val="333333"/>
+                </a:solidFill>
+                <a:latin typeface="Times New Roman" panose="02020603050405020304" pitchFamily="18" charset="0"/>
+              </a:rPr>
+              <a:t> IOPC), 2018. </a:t>
+            </a:r>
+            <a:endParaRPr lang="en-US" altLang="ko-KR" sz="1000" dirty="0" smtClean="0">
+              <a:solidFill>
+                <a:srgbClr val="333333"/>
+              </a:solidFill>
+              <a:latin typeface="Times New Roman" panose="02020603050405020304" pitchFamily="18" charset="0"/>
+            </a:endParaRPr>
+          </a:p>
+          <a:p>
+            <a:r>
+              <a:rPr lang="en-US" altLang="ko-KR" sz="1000" u="sng" dirty="0" smtClean="0">
+                <a:solidFill>
+                  <a:srgbClr val="333333"/>
+                </a:solidFill>
+                <a:latin typeface="Times New Roman" panose="02020603050405020304" pitchFamily="18" charset="0"/>
+              </a:rPr>
+              <a:t>Metamaterial </a:t>
+            </a:r>
+            <a:r>
+              <a:rPr lang="en-US" altLang="ko-KR" sz="1000" u="sng" dirty="0" smtClean="0">
+                <a:solidFill>
+                  <a:srgbClr val="333333"/>
+                </a:solidFill>
+                <a:latin typeface="Times New Roman" panose="02020603050405020304" pitchFamily="18" charset="0"/>
+              </a:rPr>
+              <a:t>FCNN</a:t>
+            </a:r>
+          </a:p>
+          <a:p>
+            <a:pPr marL="171450" indent="-171450">
+              <a:buFontTx/>
+              <a:buChar char="-"/>
+            </a:pPr>
+            <a:r>
+              <a:rPr lang="en-US" altLang="ko-KR" sz="1000" dirty="0" smtClean="0">
+                <a:solidFill>
+                  <a:srgbClr val="333333"/>
+                </a:solidFill>
+                <a:latin typeface="Times New Roman" panose="02020603050405020304" pitchFamily="18" charset="0"/>
+              </a:rPr>
+              <a:t>I</a:t>
+            </a:r>
+            <a:r>
+              <a:rPr lang="en-US" altLang="ko-KR" sz="1000" dirty="0">
+                <a:solidFill>
+                  <a:srgbClr val="333333"/>
+                </a:solidFill>
+                <a:latin typeface="Times New Roman" panose="02020603050405020304" pitchFamily="18" charset="0"/>
+              </a:rPr>
+              <a:t>. </a:t>
+            </a:r>
+            <a:r>
+              <a:rPr lang="en-US" altLang="ko-KR" sz="1000" dirty="0" err="1">
+                <a:solidFill>
+                  <a:srgbClr val="333333"/>
+                </a:solidFill>
+                <a:latin typeface="Times New Roman" panose="02020603050405020304" pitchFamily="18" charset="0"/>
+              </a:rPr>
+              <a:t>Malkiel</a:t>
+            </a:r>
+            <a:r>
+              <a:rPr lang="en-US" altLang="ko-KR" sz="1000" dirty="0">
+                <a:solidFill>
+                  <a:srgbClr val="333333"/>
+                </a:solidFill>
+                <a:latin typeface="Times New Roman" panose="02020603050405020304" pitchFamily="18" charset="0"/>
+              </a:rPr>
+              <a:t>, M. </a:t>
+            </a:r>
+            <a:r>
+              <a:rPr lang="en-US" altLang="ko-KR" sz="1000" dirty="0" err="1">
+                <a:solidFill>
+                  <a:srgbClr val="333333"/>
+                </a:solidFill>
+                <a:latin typeface="Times New Roman" panose="02020603050405020304" pitchFamily="18" charset="0"/>
+              </a:rPr>
+              <a:t>Mrejen</a:t>
+            </a:r>
+            <a:r>
+              <a:rPr lang="en-US" altLang="ko-KR" sz="1000" dirty="0">
+                <a:solidFill>
+                  <a:srgbClr val="333333"/>
+                </a:solidFill>
+                <a:latin typeface="Times New Roman" panose="02020603050405020304" pitchFamily="18" charset="0"/>
+              </a:rPr>
+              <a:t>, A. </a:t>
+            </a:r>
+            <a:r>
+              <a:rPr lang="en-US" altLang="ko-KR" sz="1000" dirty="0" err="1">
+                <a:solidFill>
+                  <a:srgbClr val="333333"/>
+                </a:solidFill>
+                <a:latin typeface="Times New Roman" panose="02020603050405020304" pitchFamily="18" charset="0"/>
+              </a:rPr>
+              <a:t>Nagler</a:t>
+            </a:r>
+            <a:r>
+              <a:rPr lang="en-US" altLang="ko-KR" sz="1000" dirty="0">
+                <a:solidFill>
+                  <a:srgbClr val="333333"/>
+                </a:solidFill>
+                <a:latin typeface="Times New Roman" panose="02020603050405020304" pitchFamily="18" charset="0"/>
+              </a:rPr>
+              <a:t>, U. </a:t>
+            </a:r>
+            <a:r>
+              <a:rPr lang="en-US" altLang="ko-KR" sz="1000" dirty="0" err="1">
+                <a:solidFill>
+                  <a:srgbClr val="333333"/>
+                </a:solidFill>
+                <a:latin typeface="Times New Roman" panose="02020603050405020304" pitchFamily="18" charset="0"/>
+              </a:rPr>
+              <a:t>Arieli</a:t>
+            </a:r>
+            <a:r>
+              <a:rPr lang="en-US" altLang="ko-KR" sz="1000" dirty="0">
+                <a:solidFill>
+                  <a:srgbClr val="333333"/>
+                </a:solidFill>
+                <a:latin typeface="Times New Roman" panose="02020603050405020304" pitchFamily="18" charset="0"/>
+              </a:rPr>
+              <a:t>, L. Wolf, and H. </a:t>
+            </a:r>
+            <a:r>
+              <a:rPr lang="en-US" altLang="ko-KR" sz="1000" dirty="0" err="1">
+                <a:solidFill>
+                  <a:srgbClr val="333333"/>
+                </a:solidFill>
+                <a:latin typeface="Times New Roman" panose="02020603050405020304" pitchFamily="18" charset="0"/>
+              </a:rPr>
+              <a:t>Suchowski</a:t>
+            </a:r>
+            <a:r>
+              <a:rPr lang="en-US" altLang="ko-KR" sz="1000" dirty="0">
+                <a:solidFill>
+                  <a:srgbClr val="333333"/>
+                </a:solidFill>
+                <a:latin typeface="Times New Roman" panose="02020603050405020304" pitchFamily="18" charset="0"/>
+              </a:rPr>
+              <a:t>, “</a:t>
+            </a:r>
+            <a:r>
+              <a:rPr lang="en-US" altLang="ko-KR" sz="1000" dirty="0" err="1">
+                <a:solidFill>
+                  <a:srgbClr val="333333"/>
+                </a:solidFill>
+                <a:latin typeface="Times New Roman" panose="02020603050405020304" pitchFamily="18" charset="0"/>
+              </a:rPr>
+              <a:t>Plasmonic</a:t>
+            </a:r>
+            <a:r>
+              <a:rPr lang="en-US" altLang="ko-KR" sz="1000" dirty="0">
+                <a:solidFill>
+                  <a:srgbClr val="333333"/>
+                </a:solidFill>
+                <a:latin typeface="Times New Roman" panose="02020603050405020304" pitchFamily="18" charset="0"/>
+              </a:rPr>
+              <a:t> nanostructure design and characterization via Deep Learning,” </a:t>
+            </a:r>
+            <a:r>
+              <a:rPr lang="en-US" altLang="ko-KR" sz="1000" i="1" dirty="0">
+                <a:solidFill>
+                  <a:srgbClr val="333333"/>
+                </a:solidFill>
+                <a:latin typeface="&amp;quot"/>
+              </a:rPr>
+              <a:t>Light: Science &amp; Applications</a:t>
+            </a:r>
+            <a:r>
+              <a:rPr lang="en-US" altLang="ko-KR" sz="1000" dirty="0">
+                <a:solidFill>
+                  <a:srgbClr val="333333"/>
+                </a:solidFill>
+                <a:latin typeface="Times New Roman" panose="02020603050405020304" pitchFamily="18" charset="0"/>
+              </a:rPr>
+              <a:t>, vol. 7, no. 1, 2018. </a:t>
+            </a:r>
+            <a:endParaRPr lang="en-US" altLang="ko-KR" sz="1000" dirty="0" smtClean="0">
+              <a:solidFill>
+                <a:srgbClr val="333333"/>
+              </a:solidFill>
+              <a:latin typeface="Times New Roman" panose="02020603050405020304" pitchFamily="18" charset="0"/>
+            </a:endParaRPr>
+          </a:p>
+          <a:p>
+            <a:r>
+              <a:rPr lang="en-US" altLang="ko-KR" sz="1000" u="sng" dirty="0" smtClean="0">
+                <a:solidFill>
+                  <a:srgbClr val="333333"/>
+                </a:solidFill>
+                <a:latin typeface="Times New Roman" panose="02020603050405020304" pitchFamily="18" charset="0"/>
+              </a:rPr>
+              <a:t>FCNN algorithm</a:t>
+            </a:r>
+          </a:p>
+          <a:p>
+            <a:pPr marL="171450" indent="-171450">
+              <a:buFontTx/>
+              <a:buChar char="-"/>
+            </a:pPr>
+            <a:r>
+              <a:rPr lang="en-US" altLang="ko-KR" sz="1000" dirty="0" smtClean="0">
+                <a:solidFill>
+                  <a:srgbClr val="333333"/>
+                </a:solidFill>
+                <a:latin typeface="Times New Roman" panose="02020603050405020304" pitchFamily="18" charset="0"/>
+              </a:rPr>
+              <a:t>K</a:t>
+            </a:r>
+            <a:r>
+              <a:rPr lang="en-US" altLang="ko-KR" sz="1000" dirty="0">
+                <a:solidFill>
+                  <a:srgbClr val="333333"/>
+                </a:solidFill>
+                <a:latin typeface="Times New Roman" panose="02020603050405020304" pitchFamily="18" charset="0"/>
+              </a:rPr>
+              <a:t>. Kojima, B. Wang, U. </a:t>
+            </a:r>
+            <a:r>
+              <a:rPr lang="en-US" altLang="ko-KR" sz="1000" dirty="0" err="1">
+                <a:solidFill>
+                  <a:srgbClr val="333333"/>
+                </a:solidFill>
+                <a:latin typeface="Times New Roman" panose="02020603050405020304" pitchFamily="18" charset="0"/>
+              </a:rPr>
+              <a:t>Kamilov</a:t>
+            </a:r>
+            <a:r>
+              <a:rPr lang="en-US" altLang="ko-KR" sz="1000" dirty="0">
+                <a:solidFill>
+                  <a:srgbClr val="333333"/>
+                </a:solidFill>
+                <a:latin typeface="Times New Roman" panose="02020603050405020304" pitchFamily="18" charset="0"/>
+              </a:rPr>
+              <a:t>, T. Koike-</a:t>
+            </a:r>
+            <a:r>
+              <a:rPr lang="en-US" altLang="ko-KR" sz="1000" dirty="0" err="1">
+                <a:solidFill>
+                  <a:srgbClr val="333333"/>
+                </a:solidFill>
+                <a:latin typeface="Times New Roman" panose="02020603050405020304" pitchFamily="18" charset="0"/>
+              </a:rPr>
+              <a:t>Akino</a:t>
+            </a:r>
+            <a:r>
+              <a:rPr lang="en-US" altLang="ko-KR" sz="1000" dirty="0">
+                <a:solidFill>
+                  <a:srgbClr val="333333"/>
+                </a:solidFill>
+                <a:latin typeface="Times New Roman" panose="02020603050405020304" pitchFamily="18" charset="0"/>
+              </a:rPr>
+              <a:t>, and K. Parsons, “Acceleration of FDTD-based Inverse Design Using a Neural Network Approach,” Advanced Photonics 2017 (IPR, NOMA, Sensors, Networks, </a:t>
+            </a:r>
+            <a:r>
+              <a:rPr lang="en-US" altLang="ko-KR" sz="1000" dirty="0" err="1">
+                <a:solidFill>
+                  <a:srgbClr val="333333"/>
+                </a:solidFill>
+                <a:latin typeface="Times New Roman" panose="02020603050405020304" pitchFamily="18" charset="0"/>
+              </a:rPr>
+              <a:t>SPPCom</a:t>
+            </a:r>
+            <a:r>
+              <a:rPr lang="en-US" altLang="ko-KR" sz="1000" dirty="0">
+                <a:solidFill>
+                  <a:srgbClr val="333333"/>
+                </a:solidFill>
+                <a:latin typeface="Times New Roman" panose="02020603050405020304" pitchFamily="18" charset="0"/>
+              </a:rPr>
+              <a:t>, PS), 2017. </a:t>
+            </a:r>
+            <a:endParaRPr lang="en-US" altLang="ko-KR" sz="1000" dirty="0" smtClean="0">
+              <a:solidFill>
+                <a:srgbClr val="333333"/>
+              </a:solidFill>
+              <a:latin typeface="Times New Roman" panose="02020603050405020304" pitchFamily="18" charset="0"/>
+            </a:endParaRPr>
+          </a:p>
+          <a:p>
+            <a:r>
+              <a:rPr lang="en-US" altLang="ko-KR" sz="1000" u="sng" dirty="0" err="1" smtClean="0">
+                <a:solidFill>
+                  <a:srgbClr val="333333"/>
+                </a:solidFill>
+                <a:latin typeface="Times New Roman" panose="02020603050405020304" pitchFamily="18" charset="0"/>
+              </a:rPr>
+              <a:t>ResNet</a:t>
+            </a:r>
+            <a:r>
+              <a:rPr lang="en-US" altLang="ko-KR" sz="1000" u="sng" dirty="0" smtClean="0">
+                <a:solidFill>
+                  <a:srgbClr val="333333"/>
+                </a:solidFill>
+                <a:latin typeface="Times New Roman" panose="02020603050405020304" pitchFamily="18" charset="0"/>
+              </a:rPr>
+              <a:t> algorithm</a:t>
+            </a:r>
+          </a:p>
+          <a:p>
+            <a:pPr marL="171450" indent="-171450">
+              <a:buFontTx/>
+              <a:buChar char="-"/>
+            </a:pPr>
+            <a:r>
+              <a:rPr lang="en-US" altLang="ko-KR" sz="1000" dirty="0" smtClean="0">
+                <a:solidFill>
+                  <a:srgbClr val="333333"/>
+                </a:solidFill>
+                <a:latin typeface="Times New Roman" panose="02020603050405020304" pitchFamily="18" charset="0"/>
+              </a:rPr>
+              <a:t>M</a:t>
+            </a:r>
+            <a:r>
+              <a:rPr lang="en-US" altLang="ko-KR" sz="1000" dirty="0">
+                <a:solidFill>
+                  <a:srgbClr val="333333"/>
+                </a:solidFill>
+                <a:latin typeface="Times New Roman" panose="02020603050405020304" pitchFamily="18" charset="0"/>
+              </a:rPr>
+              <a:t>. H. </a:t>
+            </a:r>
+            <a:r>
+              <a:rPr lang="en-US" altLang="ko-KR" sz="1000" dirty="0" err="1">
+                <a:solidFill>
+                  <a:srgbClr val="333333"/>
+                </a:solidFill>
+                <a:latin typeface="Times New Roman" panose="02020603050405020304" pitchFamily="18" charset="0"/>
+              </a:rPr>
+              <a:t>Tahersima</a:t>
+            </a:r>
+            <a:r>
+              <a:rPr lang="en-US" altLang="ko-KR" sz="1000" dirty="0">
+                <a:solidFill>
+                  <a:srgbClr val="333333"/>
+                </a:solidFill>
+                <a:latin typeface="Times New Roman" panose="02020603050405020304" pitchFamily="18" charset="0"/>
+              </a:rPr>
+              <a:t>, K. Kojima, T. Koike-</a:t>
+            </a:r>
+            <a:r>
+              <a:rPr lang="en-US" altLang="ko-KR" sz="1000" dirty="0" err="1">
+                <a:solidFill>
+                  <a:srgbClr val="333333"/>
+                </a:solidFill>
+                <a:latin typeface="Times New Roman" panose="02020603050405020304" pitchFamily="18" charset="0"/>
+              </a:rPr>
+              <a:t>Akino</a:t>
+            </a:r>
+            <a:r>
+              <a:rPr lang="en-US" altLang="ko-KR" sz="1000" dirty="0">
+                <a:solidFill>
+                  <a:srgbClr val="333333"/>
+                </a:solidFill>
+                <a:latin typeface="Times New Roman" panose="02020603050405020304" pitchFamily="18" charset="0"/>
+              </a:rPr>
+              <a:t>, D. </a:t>
+            </a:r>
+            <a:r>
+              <a:rPr lang="en-US" altLang="ko-KR" sz="1000" dirty="0" err="1">
+                <a:solidFill>
+                  <a:srgbClr val="333333"/>
+                </a:solidFill>
+                <a:latin typeface="Times New Roman" panose="02020603050405020304" pitchFamily="18" charset="0"/>
+              </a:rPr>
+              <a:t>Jha</a:t>
+            </a:r>
+            <a:r>
+              <a:rPr lang="en-US" altLang="ko-KR" sz="1000" dirty="0">
+                <a:solidFill>
+                  <a:srgbClr val="333333"/>
+                </a:solidFill>
+                <a:latin typeface="Times New Roman" panose="02020603050405020304" pitchFamily="18" charset="0"/>
+              </a:rPr>
+              <a:t>, B. Wang, C. Lin, and K. Parsons, “Deep Neural Network Inverse Design of Integrated Photonic Power Splitters,” </a:t>
+            </a:r>
+            <a:r>
+              <a:rPr lang="en-US" altLang="ko-KR" sz="1000" i="1" dirty="0">
+                <a:solidFill>
+                  <a:srgbClr val="333333"/>
+                </a:solidFill>
+                <a:latin typeface="&amp;quot"/>
+              </a:rPr>
+              <a:t>Scientific Reports</a:t>
+            </a:r>
+            <a:r>
+              <a:rPr lang="en-US" altLang="ko-KR" sz="1000" dirty="0">
+                <a:solidFill>
+                  <a:srgbClr val="333333"/>
+                </a:solidFill>
+                <a:latin typeface="Times New Roman" panose="02020603050405020304" pitchFamily="18" charset="0"/>
+              </a:rPr>
+              <a:t>, vol. 9, no. 1, 2019. </a:t>
+            </a:r>
+            <a:endParaRPr lang="en-US" altLang="ko-KR" sz="1000" dirty="0" smtClean="0">
+              <a:solidFill>
+                <a:srgbClr val="333333"/>
+              </a:solidFill>
+              <a:latin typeface="Times New Roman" panose="02020603050405020304" pitchFamily="18" charset="0"/>
+            </a:endParaRPr>
+          </a:p>
+          <a:p>
+            <a:r>
+              <a:rPr lang="en-US" altLang="ko-KR" sz="1000" u="sng" dirty="0" smtClean="0">
+                <a:solidFill>
+                  <a:srgbClr val="333333"/>
+                </a:solidFill>
+                <a:latin typeface="Times New Roman" panose="02020603050405020304" pitchFamily="18" charset="0"/>
+              </a:rPr>
+              <a:t>ARLA algorithm</a:t>
+            </a:r>
+          </a:p>
+          <a:p>
+            <a:pPr marL="171450" indent="-171450">
+              <a:buFontTx/>
+              <a:buChar char="-"/>
+            </a:pPr>
+            <a:r>
+              <a:rPr lang="en-US" altLang="ko-KR" sz="1000" dirty="0" smtClean="0">
+                <a:solidFill>
+                  <a:srgbClr val="333333"/>
+                </a:solidFill>
+                <a:latin typeface="Times New Roman" panose="02020603050405020304" pitchFamily="18" charset="0"/>
+              </a:rPr>
+              <a:t>M</a:t>
+            </a:r>
+            <a:r>
+              <a:rPr lang="en-US" altLang="ko-KR" sz="1000" dirty="0">
+                <a:solidFill>
+                  <a:srgbClr val="333333"/>
+                </a:solidFill>
+                <a:latin typeface="Times New Roman" panose="02020603050405020304" pitchFamily="18" charset="0"/>
+              </a:rPr>
+              <a:t>. </a:t>
+            </a:r>
+            <a:r>
+              <a:rPr lang="en-US" altLang="ko-KR" sz="1000" dirty="0" err="1">
+                <a:solidFill>
+                  <a:srgbClr val="333333"/>
+                </a:solidFill>
+                <a:latin typeface="Times New Roman" panose="02020603050405020304" pitchFamily="18" charset="0"/>
+              </a:rPr>
+              <a:t>Turduev</a:t>
+            </a:r>
+            <a:r>
+              <a:rPr lang="en-US" altLang="ko-KR" sz="1000" dirty="0">
+                <a:solidFill>
+                  <a:srgbClr val="333333"/>
+                </a:solidFill>
+                <a:latin typeface="Times New Roman" panose="02020603050405020304" pitchFamily="18" charset="0"/>
+              </a:rPr>
+              <a:t>, E. </a:t>
+            </a:r>
+            <a:r>
+              <a:rPr lang="en-US" altLang="ko-KR" sz="1000" dirty="0" err="1">
+                <a:solidFill>
+                  <a:srgbClr val="333333"/>
+                </a:solidFill>
+                <a:latin typeface="Times New Roman" panose="02020603050405020304" pitchFamily="18" charset="0"/>
+              </a:rPr>
+              <a:t>Bor</a:t>
+            </a:r>
+            <a:r>
+              <a:rPr lang="en-US" altLang="ko-KR" sz="1000" dirty="0">
+                <a:solidFill>
+                  <a:srgbClr val="333333"/>
+                </a:solidFill>
+                <a:latin typeface="Times New Roman" panose="02020603050405020304" pitchFamily="18" charset="0"/>
+              </a:rPr>
+              <a:t>, C. </a:t>
+            </a:r>
+            <a:r>
+              <a:rPr lang="en-US" altLang="ko-KR" sz="1000" dirty="0" err="1">
+                <a:solidFill>
+                  <a:srgbClr val="333333"/>
+                </a:solidFill>
+                <a:latin typeface="Times New Roman" panose="02020603050405020304" pitchFamily="18" charset="0"/>
+              </a:rPr>
+              <a:t>Latifoglu</a:t>
+            </a:r>
+            <a:r>
+              <a:rPr lang="en-US" altLang="ko-KR" sz="1000" dirty="0">
+                <a:solidFill>
+                  <a:srgbClr val="333333"/>
+                </a:solidFill>
+                <a:latin typeface="Times New Roman" panose="02020603050405020304" pitchFamily="18" charset="0"/>
+              </a:rPr>
+              <a:t>, I. H. </a:t>
+            </a:r>
+            <a:r>
+              <a:rPr lang="en-US" altLang="ko-KR" sz="1000" dirty="0" err="1">
+                <a:solidFill>
+                  <a:srgbClr val="333333"/>
+                </a:solidFill>
+                <a:latin typeface="Times New Roman" panose="02020603050405020304" pitchFamily="18" charset="0"/>
+              </a:rPr>
+              <a:t>Giden</a:t>
+            </a:r>
+            <a:r>
+              <a:rPr lang="en-US" altLang="ko-KR" sz="1000" dirty="0">
+                <a:solidFill>
+                  <a:srgbClr val="333333"/>
+                </a:solidFill>
+                <a:latin typeface="Times New Roman" panose="02020603050405020304" pitchFamily="18" charset="0"/>
+              </a:rPr>
+              <a:t>, Y. S. </a:t>
+            </a:r>
+            <a:r>
+              <a:rPr lang="en-US" altLang="ko-KR" sz="1000" dirty="0" err="1">
+                <a:solidFill>
+                  <a:srgbClr val="333333"/>
+                </a:solidFill>
+                <a:latin typeface="Times New Roman" panose="02020603050405020304" pitchFamily="18" charset="0"/>
+              </a:rPr>
+              <a:t>Hanay</a:t>
+            </a:r>
+            <a:r>
+              <a:rPr lang="en-US" altLang="ko-KR" sz="1000" dirty="0">
+                <a:solidFill>
+                  <a:srgbClr val="333333"/>
+                </a:solidFill>
+                <a:latin typeface="Times New Roman" panose="02020603050405020304" pitchFamily="18" charset="0"/>
+              </a:rPr>
+              <a:t>, and H. Kurt, “</a:t>
+            </a:r>
+            <a:r>
+              <a:rPr lang="en-US" altLang="ko-KR" sz="1000" dirty="0" err="1">
+                <a:solidFill>
+                  <a:srgbClr val="333333"/>
+                </a:solidFill>
+                <a:latin typeface="Times New Roman" panose="02020603050405020304" pitchFamily="18" charset="0"/>
+              </a:rPr>
+              <a:t>Ultracompact</a:t>
+            </a:r>
+            <a:r>
+              <a:rPr lang="en-US" altLang="ko-KR" sz="1000" dirty="0">
+                <a:solidFill>
+                  <a:srgbClr val="333333"/>
+                </a:solidFill>
+                <a:latin typeface="Times New Roman" panose="02020603050405020304" pitchFamily="18" charset="0"/>
+              </a:rPr>
+              <a:t> Photonic Structure Design for Strong Light Confinement and Coupling Into </a:t>
+            </a:r>
+            <a:r>
+              <a:rPr lang="en-US" altLang="ko-KR" sz="1000" dirty="0" err="1">
+                <a:solidFill>
+                  <a:srgbClr val="333333"/>
+                </a:solidFill>
+                <a:latin typeface="Times New Roman" panose="02020603050405020304" pitchFamily="18" charset="0"/>
+              </a:rPr>
+              <a:t>Nanowaveguide</a:t>
+            </a:r>
+            <a:r>
+              <a:rPr lang="en-US" altLang="ko-KR" sz="1000" dirty="0">
+                <a:solidFill>
+                  <a:srgbClr val="333333"/>
+                </a:solidFill>
+                <a:latin typeface="Times New Roman" panose="02020603050405020304" pitchFamily="18" charset="0"/>
+              </a:rPr>
+              <a:t>,” Journal of </a:t>
+            </a:r>
+            <a:r>
+              <a:rPr lang="en-US" altLang="ko-KR" sz="1000" dirty="0" err="1">
+                <a:solidFill>
+                  <a:srgbClr val="333333"/>
+                </a:solidFill>
+                <a:latin typeface="Times New Roman" panose="02020603050405020304" pitchFamily="18" charset="0"/>
+              </a:rPr>
+              <a:t>Lightwave</a:t>
+            </a:r>
+            <a:r>
+              <a:rPr lang="en-US" altLang="ko-KR" sz="1000" dirty="0">
+                <a:solidFill>
+                  <a:srgbClr val="333333"/>
+                </a:solidFill>
+                <a:latin typeface="Times New Roman" panose="02020603050405020304" pitchFamily="18" charset="0"/>
+              </a:rPr>
+              <a:t> Technology, vol. 36, no. 14, pp. 2812–2819, 2018. </a:t>
+            </a:r>
+            <a:endParaRPr lang="en-US" altLang="ko-KR" sz="1000" dirty="0" smtClean="0">
+              <a:solidFill>
+                <a:srgbClr val="333333"/>
+              </a:solidFill>
+              <a:latin typeface="Times New Roman" panose="02020603050405020304" pitchFamily="18" charset="0"/>
+            </a:endParaRPr>
+          </a:p>
+          <a:p>
+            <a:r>
+              <a:rPr lang="en-US" altLang="ko-KR" sz="1000" u="sng" dirty="0" smtClean="0">
+                <a:solidFill>
+                  <a:srgbClr val="333333"/>
+                </a:solidFill>
+                <a:latin typeface="Times New Roman" panose="02020603050405020304" pitchFamily="18" charset="0"/>
+              </a:rPr>
+              <a:t>AI </a:t>
+            </a:r>
+            <a:r>
+              <a:rPr lang="en-US" altLang="ko-KR" sz="1000" u="sng" dirty="0" err="1" smtClean="0">
+                <a:solidFill>
+                  <a:srgbClr val="333333"/>
+                </a:solidFill>
+                <a:latin typeface="Times New Roman" panose="02020603050405020304" pitchFamily="18" charset="0"/>
+              </a:rPr>
+              <a:t>nanophotonics</a:t>
+            </a:r>
+            <a:r>
+              <a:rPr lang="en-US" altLang="ko-KR" sz="1000" u="sng" dirty="0" smtClean="0">
+                <a:solidFill>
+                  <a:srgbClr val="333333"/>
+                </a:solidFill>
+                <a:latin typeface="Times New Roman" panose="02020603050405020304" pitchFamily="18" charset="0"/>
+              </a:rPr>
+              <a:t> review article</a:t>
+            </a:r>
+          </a:p>
+          <a:p>
+            <a:r>
+              <a:rPr lang="en-US" altLang="ko-KR" sz="1000" dirty="0">
+                <a:solidFill>
+                  <a:srgbClr val="333333"/>
+                </a:solidFill>
+                <a:latin typeface="Times New Roman" panose="02020603050405020304" pitchFamily="18" charset="0"/>
+              </a:rPr>
+              <a:t>- K. Yao, R. </a:t>
+            </a:r>
+            <a:r>
+              <a:rPr lang="en-US" altLang="ko-KR" sz="1000" dirty="0" err="1">
+                <a:solidFill>
+                  <a:srgbClr val="333333"/>
+                </a:solidFill>
+                <a:latin typeface="Times New Roman" panose="02020603050405020304" pitchFamily="18" charset="0"/>
+              </a:rPr>
+              <a:t>Unni</a:t>
+            </a:r>
+            <a:r>
+              <a:rPr lang="en-US" altLang="ko-KR" sz="1000" dirty="0">
+                <a:solidFill>
+                  <a:srgbClr val="333333"/>
+                </a:solidFill>
+                <a:latin typeface="Times New Roman" panose="02020603050405020304" pitchFamily="18" charset="0"/>
+              </a:rPr>
+              <a:t>, and Y. Zheng, “Intelligent </a:t>
+            </a:r>
+            <a:r>
+              <a:rPr lang="en-US" altLang="ko-KR" sz="1000" dirty="0" err="1">
+                <a:solidFill>
+                  <a:srgbClr val="333333"/>
+                </a:solidFill>
+                <a:latin typeface="Times New Roman" panose="02020603050405020304" pitchFamily="18" charset="0"/>
+              </a:rPr>
+              <a:t>nanophotonics</a:t>
+            </a:r>
+            <a:r>
+              <a:rPr lang="en-US" altLang="ko-KR" sz="1000" dirty="0">
+                <a:solidFill>
+                  <a:srgbClr val="333333"/>
+                </a:solidFill>
+                <a:latin typeface="Times New Roman" panose="02020603050405020304" pitchFamily="18" charset="0"/>
+              </a:rPr>
+              <a:t>: merging photonics and artificial intelligence at the nanoscale,” </a:t>
+            </a:r>
+            <a:r>
+              <a:rPr lang="en-US" altLang="ko-KR" sz="1000" dirty="0" err="1">
+                <a:solidFill>
+                  <a:srgbClr val="333333"/>
+                </a:solidFill>
+                <a:latin typeface="Times New Roman" panose="02020603050405020304" pitchFamily="18" charset="0"/>
+              </a:rPr>
+              <a:t>Nanophotonics</a:t>
+            </a:r>
+            <a:r>
+              <a:rPr lang="en-US" altLang="ko-KR" sz="1000" dirty="0">
+                <a:solidFill>
+                  <a:srgbClr val="333333"/>
+                </a:solidFill>
+                <a:latin typeface="Times New Roman" panose="02020603050405020304" pitchFamily="18" charset="0"/>
+              </a:rPr>
+              <a:t>, vol. 8, no. 3, pp. 339–366, 2019. </a:t>
+            </a:r>
+          </a:p>
+        </p:txBody>
+      </p:sp>
     </p:spTree>
     <p:extLst>
       <p:ext uri="{BB962C8B-B14F-4D97-AF65-F5344CB8AC3E}">
-        <p14:creationId xmlns:p14="http://schemas.microsoft.com/office/powerpoint/2010/main" val="2614617828"/>
+        <p14:creationId xmlns:p14="http://schemas.microsoft.com/office/powerpoint/2010/main" val="3698202637"/>
       </p:ext>
     </p:extLst>
   </p:cSld>

--- a/개인/석사학위논문/구상.pptx
+++ b/개인/석사학위논문/구상.pptx
@@ -247,7 +247,7 @@
           <a:p>
             <a:fld id="{CEDA20BB-A36C-44CB-A9A0-32BED543DE31}" type="datetimeFigureOut">
               <a:rPr lang="ko-KR" altLang="en-US" smtClean="0"/>
-              <a:t>2019-08-05</a:t>
+              <a:t>2019-08-19</a:t>
             </a:fld>
             <a:endParaRPr lang="ko-KR" altLang="en-US"/>
           </a:p>
@@ -417,7 +417,7 @@
           <a:p>
             <a:fld id="{CEDA20BB-A36C-44CB-A9A0-32BED543DE31}" type="datetimeFigureOut">
               <a:rPr lang="ko-KR" altLang="en-US" smtClean="0"/>
-              <a:t>2019-08-05</a:t>
+              <a:t>2019-08-19</a:t>
             </a:fld>
             <a:endParaRPr lang="ko-KR" altLang="en-US"/>
           </a:p>
@@ -597,7 +597,7 @@
           <a:p>
             <a:fld id="{CEDA20BB-A36C-44CB-A9A0-32BED543DE31}" type="datetimeFigureOut">
               <a:rPr lang="ko-KR" altLang="en-US" smtClean="0"/>
-              <a:t>2019-08-05</a:t>
+              <a:t>2019-08-19</a:t>
             </a:fld>
             <a:endParaRPr lang="ko-KR" altLang="en-US"/>
           </a:p>
@@ -767,7 +767,7 @@
           <a:p>
             <a:fld id="{CEDA20BB-A36C-44CB-A9A0-32BED543DE31}" type="datetimeFigureOut">
               <a:rPr lang="ko-KR" altLang="en-US" smtClean="0"/>
-              <a:t>2019-08-05</a:t>
+              <a:t>2019-08-19</a:t>
             </a:fld>
             <a:endParaRPr lang="ko-KR" altLang="en-US"/>
           </a:p>
@@ -1013,7 +1013,7 @@
           <a:p>
             <a:fld id="{CEDA20BB-A36C-44CB-A9A0-32BED543DE31}" type="datetimeFigureOut">
               <a:rPr lang="ko-KR" altLang="en-US" smtClean="0"/>
-              <a:t>2019-08-05</a:t>
+              <a:t>2019-08-19</a:t>
             </a:fld>
             <a:endParaRPr lang="ko-KR" altLang="en-US"/>
           </a:p>
@@ -1245,7 +1245,7 @@
           <a:p>
             <a:fld id="{CEDA20BB-A36C-44CB-A9A0-32BED543DE31}" type="datetimeFigureOut">
               <a:rPr lang="ko-KR" altLang="en-US" smtClean="0"/>
-              <a:t>2019-08-05</a:t>
+              <a:t>2019-08-19</a:t>
             </a:fld>
             <a:endParaRPr lang="ko-KR" altLang="en-US"/>
           </a:p>
@@ -1612,7 +1612,7 @@
           <a:p>
             <a:fld id="{CEDA20BB-A36C-44CB-A9A0-32BED543DE31}" type="datetimeFigureOut">
               <a:rPr lang="ko-KR" altLang="en-US" smtClean="0"/>
-              <a:t>2019-08-05</a:t>
+              <a:t>2019-08-19</a:t>
             </a:fld>
             <a:endParaRPr lang="ko-KR" altLang="en-US"/>
           </a:p>
@@ -1730,7 +1730,7 @@
           <a:p>
             <a:fld id="{CEDA20BB-A36C-44CB-A9A0-32BED543DE31}" type="datetimeFigureOut">
               <a:rPr lang="ko-KR" altLang="en-US" smtClean="0"/>
-              <a:t>2019-08-05</a:t>
+              <a:t>2019-08-19</a:t>
             </a:fld>
             <a:endParaRPr lang="ko-KR" altLang="en-US"/>
           </a:p>
@@ -1825,7 +1825,7 @@
           <a:p>
             <a:fld id="{CEDA20BB-A36C-44CB-A9A0-32BED543DE31}" type="datetimeFigureOut">
               <a:rPr lang="ko-KR" altLang="en-US" smtClean="0"/>
-              <a:t>2019-08-05</a:t>
+              <a:t>2019-08-19</a:t>
             </a:fld>
             <a:endParaRPr lang="ko-KR" altLang="en-US"/>
           </a:p>
@@ -2102,7 +2102,7 @@
           <a:p>
             <a:fld id="{CEDA20BB-A36C-44CB-A9A0-32BED543DE31}" type="datetimeFigureOut">
               <a:rPr lang="ko-KR" altLang="en-US" smtClean="0"/>
-              <a:t>2019-08-05</a:t>
+              <a:t>2019-08-19</a:t>
             </a:fld>
             <a:endParaRPr lang="ko-KR" altLang="en-US"/>
           </a:p>
@@ -2355,7 +2355,7 @@
           <a:p>
             <a:fld id="{CEDA20BB-A36C-44CB-A9A0-32BED543DE31}" type="datetimeFigureOut">
               <a:rPr lang="ko-KR" altLang="en-US" smtClean="0"/>
-              <a:t>2019-08-05</a:t>
+              <a:t>2019-08-19</a:t>
             </a:fld>
             <a:endParaRPr lang="ko-KR" altLang="en-US"/>
           </a:p>
@@ -2568,7 +2568,7 @@
           <a:p>
             <a:fld id="{CEDA20BB-A36C-44CB-A9A0-32BED543DE31}" type="datetimeFigureOut">
               <a:rPr lang="ko-KR" altLang="en-US" smtClean="0"/>
-              <a:t>2019-08-05</a:t>
+              <a:t>2019-08-19</a:t>
             </a:fld>
             <a:endParaRPr lang="ko-KR" altLang="en-US"/>
           </a:p>
@@ -3019,7 +3019,6 @@
               <a:rPr lang="en-US" altLang="ko-KR" sz="1400" dirty="0" smtClean="0"/>
               <a:t>Machine Learning and Deep Learning</a:t>
             </a:r>
-            <a:endParaRPr lang="en-US" altLang="ko-KR" sz="1400" dirty="0" smtClean="0"/>
           </a:p>
           <a:p>
             <a:pPr marL="400050" indent="-400050">
@@ -3033,7 +3032,6 @@
               <a:rPr lang="en-US" altLang="ko-KR" sz="1400" b="1" dirty="0" smtClean="0"/>
               <a:t>Nanophotonic Structure Design Method</a:t>
             </a:r>
-            <a:endParaRPr lang="en-US" altLang="ko-KR" sz="1400" b="1" dirty="0" smtClean="0"/>
           </a:p>
           <a:p>
             <a:pPr marL="857250" lvl="1" indent="-400050">
@@ -3061,7 +3059,6 @@
               <a:rPr lang="en-US" altLang="ko-KR" sz="1400" dirty="0" smtClean="0"/>
               <a:t>Motivation: Why Machine Learning</a:t>
             </a:r>
-            <a:endParaRPr lang="en-US" altLang="ko-KR" sz="1400" dirty="0" smtClean="0"/>
           </a:p>
           <a:p>
             <a:pPr marL="400050" indent="-400050">
@@ -3073,11 +3070,7 @@
             </a:pPr>
             <a:r>
               <a:rPr lang="en-US" altLang="ko-KR" sz="1400" b="1" dirty="0" smtClean="0"/>
-              <a:t>Additive Reinforcement Learning </a:t>
-            </a:r>
-            <a:r>
-              <a:rPr lang="en-US" altLang="ko-KR" sz="1400" b="1" dirty="0" smtClean="0"/>
-              <a:t>Algorithm</a:t>
+              <a:t>Additive Reinforcement Learning Algorithm</a:t>
             </a:r>
           </a:p>
           <a:p>
@@ -3139,7 +3132,6 @@
               <a:rPr lang="en-US" altLang="ko-KR" sz="1400" dirty="0" smtClean="0"/>
               <a:t>Preprocessing</a:t>
             </a:r>
-            <a:endParaRPr lang="en-US" altLang="ko-KR" sz="1400" dirty="0" smtClean="0"/>
           </a:p>
           <a:p>
             <a:pPr marL="400050" indent="-400050">
@@ -3151,15 +3143,7 @@
             </a:pPr>
             <a:r>
               <a:rPr lang="en-US" altLang="ko-KR" sz="1400" b="1" dirty="0" smtClean="0"/>
-              <a:t>Inverse </a:t>
-            </a:r>
-            <a:r>
-              <a:rPr lang="en-US" altLang="ko-KR" sz="1400" b="1" dirty="0" smtClean="0"/>
-              <a:t>Design with Neural </a:t>
-            </a:r>
-            <a:r>
-              <a:rPr lang="en-US" altLang="ko-KR" sz="1400" b="1" dirty="0" smtClean="0"/>
-              <a:t>Network</a:t>
+              <a:t>Inverse Design with Neural Network</a:t>
             </a:r>
           </a:p>
           <a:p>
@@ -3187,7 +3171,6 @@
               <a:rPr lang="en-US" altLang="ko-KR" sz="1400" dirty="0" smtClean="0"/>
               <a:t>Power Splitter</a:t>
             </a:r>
-            <a:endParaRPr lang="en-US" altLang="ko-KR" sz="1400" dirty="0" smtClean="0"/>
           </a:p>
           <a:p>
             <a:pPr marL="400050" indent="-400050">
@@ -3277,7 +3260,6 @@
               <a:rPr lang="en-US" altLang="ko-KR" sz="1400" dirty="0" smtClean="0"/>
               <a:t>Machine Learning and Deep Learning</a:t>
             </a:r>
-            <a:endParaRPr lang="en-US" altLang="ko-KR" sz="1400" dirty="0" smtClean="0"/>
           </a:p>
           <a:p>
             <a:pPr marL="400050" indent="-400050">
@@ -3291,7 +3273,6 @@
               <a:rPr lang="en-US" altLang="ko-KR" sz="1400" b="1" dirty="0" smtClean="0"/>
               <a:t>Machine Learning Methods</a:t>
             </a:r>
-            <a:endParaRPr lang="en-US" altLang="ko-KR" sz="1400" b="1" dirty="0" smtClean="0"/>
           </a:p>
           <a:p>
             <a:pPr marL="857250" lvl="1" indent="-400050">
@@ -3303,15 +3284,7 @@
             </a:pPr>
             <a:r>
               <a:rPr lang="en-US" altLang="ko-KR" sz="1400" dirty="0" smtClean="0"/>
-              <a:t>Additive </a:t>
-            </a:r>
-            <a:r>
-              <a:rPr lang="en-US" altLang="ko-KR" sz="1400" dirty="0" smtClean="0"/>
-              <a:t>Reinforcement Learning </a:t>
-            </a:r>
-            <a:r>
-              <a:rPr lang="en-US" altLang="ko-KR" sz="1400" dirty="0" smtClean="0"/>
-              <a:t>Algorithm</a:t>
+              <a:t>Additive Reinforcement Learning Algorithm</a:t>
             </a:r>
           </a:p>
           <a:p>
@@ -3349,8 +3322,20 @@
               <a:buChar char="-"/>
             </a:pPr>
             <a:r>
+              <a:rPr lang="en-US" altLang="ko-KR" sz="1400" smtClean="0"/>
+              <a:t>Residual </a:t>
+            </a:r>
+            <a:r>
               <a:rPr lang="en-US" altLang="ko-KR" sz="1400" dirty="0"/>
-              <a:t>Densely connected Convolutional Networks </a:t>
+              <a:t>C</a:t>
+            </a:r>
+            <a:r>
+              <a:rPr lang="en-US" altLang="ko-KR" sz="1400" smtClean="0"/>
+              <a:t>onnected </a:t>
+            </a:r>
+            <a:r>
+              <a:rPr lang="en-US" altLang="ko-KR" sz="1400" dirty="0"/>
+              <a:t>Convolutional Networks </a:t>
             </a:r>
             <a:endParaRPr lang="en-US" altLang="ko-KR" sz="1400" dirty="0" smtClean="0"/>
           </a:p>
@@ -3418,7 +3403,6 @@
               <a:rPr lang="en-US" altLang="ko-KR" sz="1400" dirty="0" smtClean="0"/>
               <a:t>ANN approach</a:t>
             </a:r>
-            <a:endParaRPr lang="en-US" altLang="ko-KR" sz="1400" dirty="0" smtClean="0"/>
           </a:p>
           <a:p>
             <a:pPr marL="857250" lvl="1" indent="-400050">
@@ -3430,7 +3414,15 @@
             </a:pPr>
             <a:r>
               <a:rPr lang="en-US" altLang="ko-KR" sz="1400" dirty="0" smtClean="0"/>
-              <a:t>Power Splitter (2 output, 3output)</a:t>
+              <a:t>Power Splitter (2 output, </a:t>
+            </a:r>
+            <a:r>
+              <a:rPr lang="en-US" altLang="ko-KR" sz="1400" dirty="0" smtClean="0"/>
+              <a:t>3 output</a:t>
+            </a:r>
+            <a:r>
+              <a:rPr lang="en-US" altLang="ko-KR" sz="1400" dirty="0" smtClean="0"/>
+              <a:t>)</a:t>
             </a:r>
           </a:p>
           <a:p>
@@ -3471,7 +3463,6 @@
               <a:rPr lang="en-US" altLang="ko-KR" sz="1400" dirty="0" smtClean="0"/>
               <a:t>ANN approach</a:t>
             </a:r>
-            <a:endParaRPr lang="en-US" altLang="ko-KR" sz="1400" dirty="0" smtClean="0"/>
           </a:p>
           <a:p>
             <a:pPr marL="400050" indent="-400050">
@@ -3485,7 +3476,6 @@
               <a:rPr lang="en-US" altLang="ko-KR" sz="1400" b="1" dirty="0" smtClean="0"/>
               <a:t>Result</a:t>
             </a:r>
-            <a:endParaRPr lang="en-US" altLang="ko-KR" sz="1400" b="1" dirty="0" smtClean="0"/>
           </a:p>
           <a:p>
             <a:pPr marL="400050" indent="-400050">
@@ -4045,10 +4035,6 @@
               </a:rPr>
               <a:t>Machine Learning is the study of computer algorithms that improve automatically through experience.</a:t>
             </a:r>
-            <a:endParaRPr lang="en-US" altLang="ko-KR" sz="1200" dirty="0" smtClean="0">
-              <a:latin typeface="Times New Roman" panose="02020603050405020304" pitchFamily="18" charset="0"/>
-              <a:cs typeface="Times New Roman" panose="02020603050405020304" pitchFamily="18" charset="0"/>
-            </a:endParaRPr>
           </a:p>
         </p:txBody>
       </p:sp>
@@ -4806,17 +4792,7 @@
                 <a:effectLst/>
                 <a:latin typeface="Times New Roman" panose="02020603050405020304" pitchFamily="18" charset="0"/>
               </a:rPr>
-              <a:t>I</a:t>
-            </a:r>
-            <a:r>
-              <a:rPr lang="en-US" altLang="ko-KR" sz="1000" b="0" i="0" u="none" strike="noStrike" dirty="0" smtClean="0">
-                <a:solidFill>
-                  <a:srgbClr val="333333"/>
-                </a:solidFill>
-                <a:effectLst/>
-                <a:latin typeface="Times New Roman" panose="02020603050405020304" pitchFamily="18" charset="0"/>
-              </a:rPr>
-              <a:t>. </a:t>
+              <a:t>I. </a:t>
             </a:r>
             <a:r>
               <a:rPr lang="en-US" altLang="ko-KR" sz="1000" b="0" i="0" u="none" strike="noStrike" dirty="0" err="1" smtClean="0">
@@ -4958,13 +4934,6 @@
               </a:rPr>
               <a:t>, vol. 7, no. 1, 2018. </a:t>
             </a:r>
-            <a:endParaRPr lang="en-US" altLang="ko-KR" sz="1000" b="0" i="0" u="none" strike="noStrike" dirty="0" smtClean="0">
-              <a:solidFill>
-                <a:srgbClr val="333333"/>
-              </a:solidFill>
-              <a:effectLst/>
-              <a:latin typeface="Times New Roman" panose="02020603050405020304" pitchFamily="18" charset="0"/>
-            </a:endParaRPr>
           </a:p>
         </p:txBody>
       </p:sp>
@@ -5177,17 +5146,7 @@
                 <a:effectLst/>
                 <a:latin typeface="Times New Roman" panose="02020603050405020304" pitchFamily="18" charset="0"/>
               </a:rPr>
-              <a:t>M</a:t>
-            </a:r>
-            <a:r>
-              <a:rPr lang="en-US" altLang="ko-KR" sz="1000" b="0" i="0" u="none" strike="noStrike" dirty="0" smtClean="0">
-                <a:solidFill>
-                  <a:srgbClr val="333333"/>
-                </a:solidFill>
-                <a:effectLst/>
-                <a:latin typeface="Times New Roman" panose="02020603050405020304" pitchFamily="18" charset="0"/>
-              </a:rPr>
-              <a:t>. H. </a:t>
+              <a:t>M. H. </a:t>
             </a:r>
             <a:r>
               <a:rPr lang="en-US" altLang="ko-KR" sz="1000" b="0" i="0" u="none" strike="noStrike" dirty="0" err="1" smtClean="0">
@@ -5269,13 +5228,6 @@
               </a:rPr>
               <a:t>, vol. 9, no. 1, 2019. </a:t>
             </a:r>
-            <a:endParaRPr lang="en-US" altLang="ko-KR" sz="1000" b="0" i="0" u="none" strike="noStrike" dirty="0" smtClean="0">
-              <a:solidFill>
-                <a:srgbClr val="333333"/>
-              </a:solidFill>
-              <a:effectLst/>
-              <a:latin typeface="Times New Roman" panose="02020603050405020304" pitchFamily="18" charset="0"/>
-            </a:endParaRPr>
           </a:p>
         </p:txBody>
       </p:sp>
@@ -5830,16 +5782,7 @@
                 </a:solidFill>
                 <a:latin typeface="Times New Roman" panose="02020603050405020304" pitchFamily="18" charset="0"/>
               </a:rPr>
-              <a:t> </a:t>
-            </a:r>
-            <a:r>
-              <a:rPr lang="en-US" altLang="ko-KR" sz="1000" u="sng" dirty="0" smtClean="0">
-                <a:solidFill>
-                  <a:srgbClr val="333333"/>
-                </a:solidFill>
-                <a:latin typeface="Times New Roman" panose="02020603050405020304" pitchFamily="18" charset="0"/>
-              </a:rPr>
-              <a:t>inverse design</a:t>
+              <a:t> inverse design</a:t>
             </a:r>
           </a:p>
           <a:p>
@@ -6011,16 +5954,7 @@
                 </a:solidFill>
                 <a:latin typeface="Times New Roman" panose="02020603050405020304" pitchFamily="18" charset="0"/>
               </a:rPr>
-              <a:t>Metamaterial </a:t>
-            </a:r>
-            <a:r>
-              <a:rPr lang="en-US" altLang="ko-KR" sz="1000" u="sng" dirty="0" smtClean="0">
-                <a:solidFill>
-                  <a:srgbClr val="333333"/>
-                </a:solidFill>
-                <a:latin typeface="Times New Roman" panose="02020603050405020304" pitchFamily="18" charset="0"/>
-              </a:rPr>
-              <a:t>FCNN</a:t>
+              <a:t>Metamaterial FCNN</a:t>
             </a:r>
           </a:p>
           <a:p>
